--- a/Lecture Slides/IntroSlides/4_Intro.pptx
+++ b/Lecture Slides/IntroSlides/4_Intro.pptx
@@ -154,10 +154,9 @@
           </a:lstStyle>
           <a:p>
             <a:r>
-              <a:rPr lang="en-US" smtClean="0"/>
+              <a:rPr lang="en-US"/>
               <a:t>Click to edit Master title style</a:t>
             </a:r>
-            <a:endParaRPr lang="en-US"/>
           </a:p>
         </p:txBody>
       </p:sp>
@@ -219,10 +218,9 @@
           </a:lstStyle>
           <a:p>
             <a:r>
-              <a:rPr lang="en-US" smtClean="0"/>
+              <a:rPr lang="en-US"/>
               <a:t>Click to edit Master subtitle style</a:t>
             </a:r>
-            <a:endParaRPr lang="en-US"/>
           </a:p>
         </p:txBody>
       </p:sp>
@@ -243,7 +241,7 @@
           <a:p>
             <a:fld id="{AA15078D-9DE8-47D0-8F0F-AA243E1A2060}" type="datetimeFigureOut">
               <a:rPr lang="en-US" smtClean="0"/>
-              <a:t>8/11/2017</a:t>
+              <a:t>6/10/2022</a:t>
             </a:fld>
             <a:endParaRPr lang="en-US"/>
           </a:p>
@@ -337,10 +335,9 @@
           <a:lstStyle/>
           <a:p>
             <a:r>
-              <a:rPr lang="en-US" smtClean="0"/>
+              <a:rPr lang="en-US"/>
               <a:t>Click to edit Master title style</a:t>
             </a:r>
-            <a:endParaRPr lang="en-US"/>
           </a:p>
         </p:txBody>
       </p:sp>
@@ -361,38 +358,37 @@
           <a:p>
             <a:pPr lvl="0"/>
             <a:r>
-              <a:rPr lang="en-US" smtClean="0"/>
+              <a:rPr lang="en-US"/>
               <a:t>Edit Master text styles</a:t>
             </a:r>
           </a:p>
           <a:p>
             <a:pPr lvl="1"/>
             <a:r>
-              <a:rPr lang="en-US" smtClean="0"/>
+              <a:rPr lang="en-US"/>
               <a:t>Second level</a:t>
             </a:r>
           </a:p>
           <a:p>
             <a:pPr lvl="2"/>
             <a:r>
-              <a:rPr lang="en-US" smtClean="0"/>
+              <a:rPr lang="en-US"/>
               <a:t>Third level</a:t>
             </a:r>
           </a:p>
           <a:p>
             <a:pPr lvl="3"/>
             <a:r>
-              <a:rPr lang="en-US" smtClean="0"/>
+              <a:rPr lang="en-US"/>
               <a:t>Fourth level</a:t>
             </a:r>
           </a:p>
           <a:p>
             <a:pPr lvl="4"/>
             <a:r>
-              <a:rPr lang="en-US" smtClean="0"/>
+              <a:rPr lang="en-US"/>
               <a:t>Fifth level</a:t>
             </a:r>
-            <a:endParaRPr lang="en-US"/>
           </a:p>
         </p:txBody>
       </p:sp>
@@ -413,7 +409,7 @@
           <a:p>
             <a:fld id="{AA15078D-9DE8-47D0-8F0F-AA243E1A2060}" type="datetimeFigureOut">
               <a:rPr lang="en-US" smtClean="0"/>
-              <a:t>8/11/2017</a:t>
+              <a:t>6/10/2022</a:t>
             </a:fld>
             <a:endParaRPr lang="en-US"/>
           </a:p>
@@ -512,10 +508,9 @@
           <a:lstStyle/>
           <a:p>
             <a:r>
-              <a:rPr lang="en-US" smtClean="0"/>
+              <a:rPr lang="en-US"/>
               <a:t>Click to edit Master title style</a:t>
             </a:r>
-            <a:endParaRPr lang="en-US"/>
           </a:p>
         </p:txBody>
       </p:sp>
@@ -541,38 +536,37 @@
           <a:p>
             <a:pPr lvl="0"/>
             <a:r>
-              <a:rPr lang="en-US" smtClean="0"/>
+              <a:rPr lang="en-US"/>
               <a:t>Edit Master text styles</a:t>
             </a:r>
           </a:p>
           <a:p>
             <a:pPr lvl="1"/>
             <a:r>
-              <a:rPr lang="en-US" smtClean="0"/>
+              <a:rPr lang="en-US"/>
               <a:t>Second level</a:t>
             </a:r>
           </a:p>
           <a:p>
             <a:pPr lvl="2"/>
             <a:r>
-              <a:rPr lang="en-US" smtClean="0"/>
+              <a:rPr lang="en-US"/>
               <a:t>Third level</a:t>
             </a:r>
           </a:p>
           <a:p>
             <a:pPr lvl="3"/>
             <a:r>
-              <a:rPr lang="en-US" smtClean="0"/>
+              <a:rPr lang="en-US"/>
               <a:t>Fourth level</a:t>
             </a:r>
           </a:p>
           <a:p>
             <a:pPr lvl="4"/>
             <a:r>
-              <a:rPr lang="en-US" smtClean="0"/>
+              <a:rPr lang="en-US"/>
               <a:t>Fifth level</a:t>
             </a:r>
-            <a:endParaRPr lang="en-US"/>
           </a:p>
         </p:txBody>
       </p:sp>
@@ -593,7 +587,7 @@
           <a:p>
             <a:fld id="{AA15078D-9DE8-47D0-8F0F-AA243E1A2060}" type="datetimeFigureOut">
               <a:rPr lang="en-US" smtClean="0"/>
-              <a:t>8/11/2017</a:t>
+              <a:t>6/10/2022</a:t>
             </a:fld>
             <a:endParaRPr lang="en-US"/>
           </a:p>
@@ -687,10 +681,9 @@
           <a:lstStyle/>
           <a:p>
             <a:r>
-              <a:rPr lang="en-US" smtClean="0"/>
+              <a:rPr lang="en-US"/>
               <a:t>Click to edit Master title style</a:t>
             </a:r>
-            <a:endParaRPr lang="en-US"/>
           </a:p>
         </p:txBody>
       </p:sp>
@@ -711,38 +704,37 @@
           <a:p>
             <a:pPr lvl="0"/>
             <a:r>
-              <a:rPr lang="en-US" smtClean="0"/>
+              <a:rPr lang="en-US"/>
               <a:t>Edit Master text styles</a:t>
             </a:r>
           </a:p>
           <a:p>
             <a:pPr lvl="1"/>
             <a:r>
-              <a:rPr lang="en-US" smtClean="0"/>
+              <a:rPr lang="en-US"/>
               <a:t>Second level</a:t>
             </a:r>
           </a:p>
           <a:p>
             <a:pPr lvl="2"/>
             <a:r>
-              <a:rPr lang="en-US" smtClean="0"/>
+              <a:rPr lang="en-US"/>
               <a:t>Third level</a:t>
             </a:r>
           </a:p>
           <a:p>
             <a:pPr lvl="3"/>
             <a:r>
-              <a:rPr lang="en-US" smtClean="0"/>
+              <a:rPr lang="en-US"/>
               <a:t>Fourth level</a:t>
             </a:r>
           </a:p>
           <a:p>
             <a:pPr lvl="4"/>
             <a:r>
-              <a:rPr lang="en-US" smtClean="0"/>
+              <a:rPr lang="en-US"/>
               <a:t>Fifth level</a:t>
             </a:r>
-            <a:endParaRPr lang="en-US"/>
           </a:p>
         </p:txBody>
       </p:sp>
@@ -763,7 +755,7 @@
           <a:p>
             <a:fld id="{AA15078D-9DE8-47D0-8F0F-AA243E1A2060}" type="datetimeFigureOut">
               <a:rPr lang="en-US" smtClean="0"/>
-              <a:t>8/11/2017</a:t>
+              <a:t>6/10/2022</a:t>
             </a:fld>
             <a:endParaRPr lang="en-US"/>
           </a:p>
@@ -866,10 +858,9 @@
           </a:lstStyle>
           <a:p>
             <a:r>
-              <a:rPr lang="en-US" smtClean="0"/>
+              <a:rPr lang="en-US"/>
               <a:t>Click to edit Master title style</a:t>
             </a:r>
-            <a:endParaRPr lang="en-US"/>
           </a:p>
         </p:txBody>
       </p:sp>
@@ -986,7 +977,7 @@
           <a:p>
             <a:pPr lvl="0"/>
             <a:r>
-              <a:rPr lang="en-US" smtClean="0"/>
+              <a:rPr lang="en-US"/>
               <a:t>Edit Master text styles</a:t>
             </a:r>
           </a:p>
@@ -1009,7 +1000,7 @@
           <a:p>
             <a:fld id="{AA15078D-9DE8-47D0-8F0F-AA243E1A2060}" type="datetimeFigureOut">
               <a:rPr lang="en-US" smtClean="0"/>
-              <a:t>8/11/2017</a:t>
+              <a:t>6/10/2022</a:t>
             </a:fld>
             <a:endParaRPr lang="en-US"/>
           </a:p>
@@ -1103,10 +1094,9 @@
           <a:lstStyle/>
           <a:p>
             <a:r>
-              <a:rPr lang="en-US" smtClean="0"/>
+              <a:rPr lang="en-US"/>
               <a:t>Click to edit Master title style</a:t>
             </a:r>
-            <a:endParaRPr lang="en-US"/>
           </a:p>
         </p:txBody>
       </p:sp>
@@ -1132,38 +1122,37 @@
           <a:p>
             <a:pPr lvl="0"/>
             <a:r>
-              <a:rPr lang="en-US" smtClean="0"/>
+              <a:rPr lang="en-US"/>
               <a:t>Edit Master text styles</a:t>
             </a:r>
           </a:p>
           <a:p>
             <a:pPr lvl="1"/>
             <a:r>
-              <a:rPr lang="en-US" smtClean="0"/>
+              <a:rPr lang="en-US"/>
               <a:t>Second level</a:t>
             </a:r>
           </a:p>
           <a:p>
             <a:pPr lvl="2"/>
             <a:r>
-              <a:rPr lang="en-US" smtClean="0"/>
+              <a:rPr lang="en-US"/>
               <a:t>Third level</a:t>
             </a:r>
           </a:p>
           <a:p>
             <a:pPr lvl="3"/>
             <a:r>
-              <a:rPr lang="en-US" smtClean="0"/>
+              <a:rPr lang="en-US"/>
               <a:t>Fourth level</a:t>
             </a:r>
           </a:p>
           <a:p>
             <a:pPr lvl="4"/>
             <a:r>
-              <a:rPr lang="en-US" smtClean="0"/>
+              <a:rPr lang="en-US"/>
               <a:t>Fifth level</a:t>
             </a:r>
-            <a:endParaRPr lang="en-US"/>
           </a:p>
         </p:txBody>
       </p:sp>
@@ -1189,38 +1178,37 @@
           <a:p>
             <a:pPr lvl="0"/>
             <a:r>
-              <a:rPr lang="en-US" smtClean="0"/>
+              <a:rPr lang="en-US"/>
               <a:t>Edit Master text styles</a:t>
             </a:r>
           </a:p>
           <a:p>
             <a:pPr lvl="1"/>
             <a:r>
-              <a:rPr lang="en-US" smtClean="0"/>
+              <a:rPr lang="en-US"/>
               <a:t>Second level</a:t>
             </a:r>
           </a:p>
           <a:p>
             <a:pPr lvl="2"/>
             <a:r>
-              <a:rPr lang="en-US" smtClean="0"/>
+              <a:rPr lang="en-US"/>
               <a:t>Third level</a:t>
             </a:r>
           </a:p>
           <a:p>
             <a:pPr lvl="3"/>
             <a:r>
-              <a:rPr lang="en-US" smtClean="0"/>
+              <a:rPr lang="en-US"/>
               <a:t>Fourth level</a:t>
             </a:r>
           </a:p>
           <a:p>
             <a:pPr lvl="4"/>
             <a:r>
-              <a:rPr lang="en-US" smtClean="0"/>
+              <a:rPr lang="en-US"/>
               <a:t>Fifth level</a:t>
             </a:r>
-            <a:endParaRPr lang="en-US"/>
           </a:p>
         </p:txBody>
       </p:sp>
@@ -1241,7 +1229,7 @@
           <a:p>
             <a:fld id="{AA15078D-9DE8-47D0-8F0F-AA243E1A2060}" type="datetimeFigureOut">
               <a:rPr lang="en-US" smtClean="0"/>
-              <a:t>8/11/2017</a:t>
+              <a:t>6/10/2022</a:t>
             </a:fld>
             <a:endParaRPr lang="en-US"/>
           </a:p>
@@ -1340,10 +1328,9 @@
           <a:lstStyle/>
           <a:p>
             <a:r>
-              <a:rPr lang="en-US" smtClean="0"/>
+              <a:rPr lang="en-US"/>
               <a:t>Click to edit Master title style</a:t>
             </a:r>
-            <a:endParaRPr lang="en-US"/>
           </a:p>
         </p:txBody>
       </p:sp>
@@ -1406,7 +1393,7 @@
           <a:p>
             <a:pPr lvl="0"/>
             <a:r>
-              <a:rPr lang="en-US" smtClean="0"/>
+              <a:rPr lang="en-US"/>
               <a:t>Edit Master text styles</a:t>
             </a:r>
           </a:p>
@@ -1434,38 +1421,37 @@
           <a:p>
             <a:pPr lvl="0"/>
             <a:r>
-              <a:rPr lang="en-US" smtClean="0"/>
+              <a:rPr lang="en-US"/>
               <a:t>Edit Master text styles</a:t>
             </a:r>
           </a:p>
           <a:p>
             <a:pPr lvl="1"/>
             <a:r>
-              <a:rPr lang="en-US" smtClean="0"/>
+              <a:rPr lang="en-US"/>
               <a:t>Second level</a:t>
             </a:r>
           </a:p>
           <a:p>
             <a:pPr lvl="2"/>
             <a:r>
-              <a:rPr lang="en-US" smtClean="0"/>
+              <a:rPr lang="en-US"/>
               <a:t>Third level</a:t>
             </a:r>
           </a:p>
           <a:p>
             <a:pPr lvl="3"/>
             <a:r>
-              <a:rPr lang="en-US" smtClean="0"/>
+              <a:rPr lang="en-US"/>
               <a:t>Fourth level</a:t>
             </a:r>
           </a:p>
           <a:p>
             <a:pPr lvl="4"/>
             <a:r>
-              <a:rPr lang="en-US" smtClean="0"/>
+              <a:rPr lang="en-US"/>
               <a:t>Fifth level</a:t>
             </a:r>
-            <a:endParaRPr lang="en-US"/>
           </a:p>
         </p:txBody>
       </p:sp>
@@ -1528,7 +1514,7 @@
           <a:p>
             <a:pPr lvl="0"/>
             <a:r>
-              <a:rPr lang="en-US" smtClean="0"/>
+              <a:rPr lang="en-US"/>
               <a:t>Edit Master text styles</a:t>
             </a:r>
           </a:p>
@@ -1556,38 +1542,37 @@
           <a:p>
             <a:pPr lvl="0"/>
             <a:r>
-              <a:rPr lang="en-US" smtClean="0"/>
+              <a:rPr lang="en-US"/>
               <a:t>Edit Master text styles</a:t>
             </a:r>
           </a:p>
           <a:p>
             <a:pPr lvl="1"/>
             <a:r>
-              <a:rPr lang="en-US" smtClean="0"/>
+              <a:rPr lang="en-US"/>
               <a:t>Second level</a:t>
             </a:r>
           </a:p>
           <a:p>
             <a:pPr lvl="2"/>
             <a:r>
-              <a:rPr lang="en-US" smtClean="0"/>
+              <a:rPr lang="en-US"/>
               <a:t>Third level</a:t>
             </a:r>
           </a:p>
           <a:p>
             <a:pPr lvl="3"/>
             <a:r>
-              <a:rPr lang="en-US" smtClean="0"/>
+              <a:rPr lang="en-US"/>
               <a:t>Fourth level</a:t>
             </a:r>
           </a:p>
           <a:p>
             <a:pPr lvl="4"/>
             <a:r>
-              <a:rPr lang="en-US" smtClean="0"/>
+              <a:rPr lang="en-US"/>
               <a:t>Fifth level</a:t>
             </a:r>
-            <a:endParaRPr lang="en-US"/>
           </a:p>
         </p:txBody>
       </p:sp>
@@ -1608,7 +1593,7 @@
           <a:p>
             <a:fld id="{AA15078D-9DE8-47D0-8F0F-AA243E1A2060}" type="datetimeFigureOut">
               <a:rPr lang="en-US" smtClean="0"/>
-              <a:t>8/11/2017</a:t>
+              <a:t>6/10/2022</a:t>
             </a:fld>
             <a:endParaRPr lang="en-US"/>
           </a:p>
@@ -1702,10 +1687,9 @@
           <a:lstStyle/>
           <a:p>
             <a:r>
-              <a:rPr lang="en-US" smtClean="0"/>
+              <a:rPr lang="en-US"/>
               <a:t>Click to edit Master title style</a:t>
             </a:r>
-            <a:endParaRPr lang="en-US"/>
           </a:p>
         </p:txBody>
       </p:sp>
@@ -1726,7 +1710,7 @@
           <a:p>
             <a:fld id="{AA15078D-9DE8-47D0-8F0F-AA243E1A2060}" type="datetimeFigureOut">
               <a:rPr lang="en-US" smtClean="0"/>
-              <a:t>8/11/2017</a:t>
+              <a:t>6/10/2022</a:t>
             </a:fld>
             <a:endParaRPr lang="en-US"/>
           </a:p>
@@ -1821,7 +1805,7 @@
           <a:p>
             <a:fld id="{AA15078D-9DE8-47D0-8F0F-AA243E1A2060}" type="datetimeFigureOut">
               <a:rPr lang="en-US" smtClean="0"/>
-              <a:t>8/11/2017</a:t>
+              <a:t>6/10/2022</a:t>
             </a:fld>
             <a:endParaRPr lang="en-US"/>
           </a:p>
@@ -1924,10 +1908,9 @@
           </a:lstStyle>
           <a:p>
             <a:r>
-              <a:rPr lang="en-US" smtClean="0"/>
+              <a:rPr lang="en-US"/>
               <a:t>Click to edit Master title style</a:t>
             </a:r>
-            <a:endParaRPr lang="en-US"/>
           </a:p>
         </p:txBody>
       </p:sp>
@@ -1981,38 +1964,37 @@
           <a:p>
             <a:pPr lvl="0"/>
             <a:r>
-              <a:rPr lang="en-US" smtClean="0"/>
+              <a:rPr lang="en-US"/>
               <a:t>Edit Master text styles</a:t>
             </a:r>
           </a:p>
           <a:p>
             <a:pPr lvl="1"/>
             <a:r>
-              <a:rPr lang="en-US" smtClean="0"/>
+              <a:rPr lang="en-US"/>
               <a:t>Second level</a:t>
             </a:r>
           </a:p>
           <a:p>
             <a:pPr lvl="2"/>
             <a:r>
-              <a:rPr lang="en-US" smtClean="0"/>
+              <a:rPr lang="en-US"/>
               <a:t>Third level</a:t>
             </a:r>
           </a:p>
           <a:p>
             <a:pPr lvl="3"/>
             <a:r>
-              <a:rPr lang="en-US" smtClean="0"/>
+              <a:rPr lang="en-US"/>
               <a:t>Fourth level</a:t>
             </a:r>
           </a:p>
           <a:p>
             <a:pPr lvl="4"/>
             <a:r>
-              <a:rPr lang="en-US" smtClean="0"/>
+              <a:rPr lang="en-US"/>
               <a:t>Fifth level</a:t>
             </a:r>
-            <a:endParaRPr lang="en-US"/>
           </a:p>
         </p:txBody>
       </p:sp>
@@ -2075,7 +2057,7 @@
           <a:p>
             <a:pPr lvl="0"/>
             <a:r>
-              <a:rPr lang="en-US" smtClean="0"/>
+              <a:rPr lang="en-US"/>
               <a:t>Edit Master text styles</a:t>
             </a:r>
           </a:p>
@@ -2098,7 +2080,7 @@
           <a:p>
             <a:fld id="{AA15078D-9DE8-47D0-8F0F-AA243E1A2060}" type="datetimeFigureOut">
               <a:rPr lang="en-US" smtClean="0"/>
-              <a:t>8/11/2017</a:t>
+              <a:t>6/10/2022</a:t>
             </a:fld>
             <a:endParaRPr lang="en-US"/>
           </a:p>
@@ -2201,10 +2183,9 @@
           </a:lstStyle>
           <a:p>
             <a:r>
-              <a:rPr lang="en-US" smtClean="0"/>
+              <a:rPr lang="en-US"/>
               <a:t>Click to edit Master title style</a:t>
             </a:r>
-            <a:endParaRPr lang="en-US"/>
           </a:p>
         </p:txBody>
       </p:sp>
@@ -2328,7 +2309,7 @@
           <a:p>
             <a:pPr lvl="0"/>
             <a:r>
-              <a:rPr lang="en-US" smtClean="0"/>
+              <a:rPr lang="en-US"/>
               <a:t>Edit Master text styles</a:t>
             </a:r>
           </a:p>
@@ -2351,7 +2332,7 @@
           <a:p>
             <a:fld id="{AA15078D-9DE8-47D0-8F0F-AA243E1A2060}" type="datetimeFigureOut">
               <a:rPr lang="en-US" smtClean="0"/>
-              <a:t>8/11/2017</a:t>
+              <a:t>6/10/2022</a:t>
             </a:fld>
             <a:endParaRPr lang="en-US"/>
           </a:p>
@@ -2460,10 +2441,9 @@
           <a:lstStyle/>
           <a:p>
             <a:r>
-              <a:rPr lang="en-US" smtClean="0"/>
+              <a:rPr lang="en-US"/>
               <a:t>Click to edit Master title style</a:t>
             </a:r>
-            <a:endParaRPr lang="en-US"/>
           </a:p>
         </p:txBody>
       </p:sp>
@@ -2494,38 +2474,37 @@
           <a:p>
             <a:pPr lvl="0"/>
             <a:r>
-              <a:rPr lang="en-US" smtClean="0"/>
+              <a:rPr lang="en-US"/>
               <a:t>Edit Master text styles</a:t>
             </a:r>
           </a:p>
           <a:p>
             <a:pPr lvl="1"/>
             <a:r>
-              <a:rPr lang="en-US" smtClean="0"/>
+              <a:rPr lang="en-US"/>
               <a:t>Second level</a:t>
             </a:r>
           </a:p>
           <a:p>
             <a:pPr lvl="2"/>
             <a:r>
-              <a:rPr lang="en-US" smtClean="0"/>
+              <a:rPr lang="en-US"/>
               <a:t>Third level</a:t>
             </a:r>
           </a:p>
           <a:p>
             <a:pPr lvl="3"/>
             <a:r>
-              <a:rPr lang="en-US" smtClean="0"/>
+              <a:rPr lang="en-US"/>
               <a:t>Fourth level</a:t>
             </a:r>
           </a:p>
           <a:p>
             <a:pPr lvl="4"/>
             <a:r>
-              <a:rPr lang="en-US" smtClean="0"/>
+              <a:rPr lang="en-US"/>
               <a:t>Fifth level</a:t>
             </a:r>
-            <a:endParaRPr lang="en-US"/>
           </a:p>
         </p:txBody>
       </p:sp>
@@ -2564,7 +2543,7 @@
           <a:p>
             <a:fld id="{AA15078D-9DE8-47D0-8F0F-AA243E1A2060}" type="datetimeFigureOut">
               <a:rPr lang="en-US" smtClean="0"/>
-              <a:t>8/11/2017</a:t>
+              <a:t>6/10/2022</a:t>
             </a:fld>
             <a:endParaRPr lang="en-US"/>
           </a:p>
@@ -2977,8 +2956,208 @@
         </p:nvSpPr>
         <p:spPr>
           <a:xfrm>
-            <a:off x="2815467" y="777683"/>
-            <a:ext cx="1560945" cy="877454"/>
+            <a:off x="2424700" y="328190"/>
+            <a:ext cx="5589667" cy="1929143"/>
+          </a:xfrm>
+          <a:prstGeom prst="roundRect">
+            <a:avLst/>
+          </a:prstGeom>
+          <a:solidFill>
+            <a:schemeClr val="accent6">
+              <a:lumMod val="40000"/>
+              <a:lumOff val="60000"/>
+            </a:schemeClr>
+          </a:solidFill>
+        </p:spPr>
+        <p:style>
+          <a:lnRef idx="2">
+            <a:schemeClr val="accent6">
+              <a:shade val="50000"/>
+            </a:schemeClr>
+          </a:lnRef>
+          <a:fillRef idx="1">
+            <a:schemeClr val="accent6"/>
+          </a:fillRef>
+          <a:effectRef idx="0">
+            <a:schemeClr val="accent6"/>
+          </a:effectRef>
+          <a:fontRef idx="minor">
+            <a:schemeClr val="lt1"/>
+          </a:fontRef>
+        </p:style>
+        <p:txBody>
+          <a:bodyPr rtlCol="0" anchor="ctr"/>
+          <a:lstStyle/>
+          <a:p>
+            <a:pPr algn="ctr"/>
+            <a:r>
+              <a:rPr lang="en-US" dirty="0"/>
+              <a:t>Forces</a:t>
+            </a:r>
+          </a:p>
+          <a:p>
+            <a:pPr algn="ctr"/>
+            <a:endParaRPr lang="en-US" dirty="0"/>
+          </a:p>
+          <a:p>
+            <a:pPr algn="ctr"/>
+            <a:endParaRPr lang="en-US" dirty="0"/>
+          </a:p>
+          <a:p>
+            <a:pPr algn="ctr"/>
+            <a:endParaRPr lang="en-US" dirty="0"/>
+          </a:p>
+          <a:p>
+            <a:pPr algn="ctr"/>
+            <a:endParaRPr lang="en-US" dirty="0"/>
+          </a:p>
+        </p:txBody>
+      </p:sp>
+      <p:sp>
+        <p:nvSpPr>
+          <p:cNvPr id="24" name="Rounded Rectangle 23"/>
+          <p:cNvSpPr/>
+          <p:nvPr/>
+        </p:nvSpPr>
+        <p:spPr>
+          <a:xfrm>
+            <a:off x="10134984" y="1092812"/>
+            <a:ext cx="1828800" cy="914400"/>
+          </a:xfrm>
+          <a:prstGeom prst="roundRect">
+            <a:avLst/>
+          </a:prstGeom>
+        </p:spPr>
+        <p:style>
+          <a:lnRef idx="2">
+            <a:schemeClr val="accent2">
+              <a:shade val="50000"/>
+            </a:schemeClr>
+          </a:lnRef>
+          <a:fillRef idx="1">
+            <a:schemeClr val="accent2"/>
+          </a:fillRef>
+          <a:effectRef idx="0">
+            <a:schemeClr val="accent2"/>
+          </a:effectRef>
+          <a:fontRef idx="minor">
+            <a:schemeClr val="lt1"/>
+          </a:fontRef>
+        </p:style>
+        <p:txBody>
+          <a:bodyPr rtlCol="0" anchor="ctr"/>
+          <a:lstStyle/>
+          <a:p>
+            <a:pPr algn="ctr"/>
+            <a:r>
+              <a:rPr lang="en-US" dirty="0"/>
+              <a:t>Centroids</a:t>
+            </a:r>
+          </a:p>
+        </p:txBody>
+      </p:sp>
+      <p:sp>
+        <p:nvSpPr>
+          <p:cNvPr id="25" name="Rounded Rectangle 24"/>
+          <p:cNvSpPr/>
+          <p:nvPr/>
+        </p:nvSpPr>
+        <p:spPr>
+          <a:xfrm>
+            <a:off x="5816644" y="1102437"/>
+            <a:ext cx="1828800" cy="914400"/>
+          </a:xfrm>
+          <a:prstGeom prst="roundRect">
+            <a:avLst/>
+          </a:prstGeom>
+        </p:spPr>
+        <p:style>
+          <a:lnRef idx="2">
+            <a:schemeClr val="accent1">
+              <a:shade val="50000"/>
+            </a:schemeClr>
+          </a:lnRef>
+          <a:fillRef idx="1">
+            <a:schemeClr val="accent1"/>
+          </a:fillRef>
+          <a:effectRef idx="0">
+            <a:schemeClr val="accent1"/>
+          </a:effectRef>
+          <a:fontRef idx="minor">
+            <a:schemeClr val="lt1"/>
+          </a:fontRef>
+        </p:style>
+        <p:txBody>
+          <a:bodyPr rtlCol="0" anchor="ctr"/>
+          <a:lstStyle/>
+          <a:p>
+            <a:pPr algn="ctr"/>
+            <a:r>
+              <a:rPr lang="en-US" dirty="0"/>
+              <a:t>Distributed Forces</a:t>
+            </a:r>
+          </a:p>
+        </p:txBody>
+      </p:sp>
+      <p:sp>
+        <p:nvSpPr>
+          <p:cNvPr id="81" name="Rounded Rectangle 80"/>
+          <p:cNvSpPr/>
+          <p:nvPr/>
+        </p:nvSpPr>
+        <p:spPr>
+          <a:xfrm>
+            <a:off x="8151333" y="1104569"/>
+            <a:ext cx="1828800" cy="914400"/>
+          </a:xfrm>
+          <a:prstGeom prst="roundRect">
+            <a:avLst/>
+          </a:prstGeom>
+        </p:spPr>
+        <p:style>
+          <a:lnRef idx="2">
+            <a:schemeClr val="accent1">
+              <a:shade val="50000"/>
+            </a:schemeClr>
+          </a:lnRef>
+          <a:fillRef idx="1">
+            <a:schemeClr val="accent1"/>
+          </a:fillRef>
+          <a:effectRef idx="0">
+            <a:schemeClr val="accent1"/>
+          </a:effectRef>
+          <a:fontRef idx="minor">
+            <a:schemeClr val="lt1"/>
+          </a:fontRef>
+        </p:style>
+        <p:txBody>
+          <a:bodyPr rtlCol="0" anchor="ctr"/>
+          <a:lstStyle/>
+          <a:p>
+            <a:pPr algn="ctr"/>
+            <a:r>
+              <a:rPr lang="en-US" dirty="0"/>
+              <a:t>Moment Integrals</a:t>
+            </a:r>
+          </a:p>
+        </p:txBody>
+      </p:sp>
+      <p:sp>
+        <p:nvSpPr>
+          <p:cNvPr id="35" name="Rounded Rectangle 24">
+            <a:extLst>
+              <a:ext uri="{FF2B5EF4-FFF2-40B4-BE49-F238E27FC236}">
+                <a16:creationId xmlns:a16="http://schemas.microsoft.com/office/drawing/2014/main" id="{418F386E-13DA-4F01-85E2-5F598A5874B2}"/>
+              </a:ext>
+            </a:extLst>
+          </p:cNvPr>
+          <p:cNvSpPr/>
+          <p:nvPr/>
+        </p:nvSpPr>
+        <p:spPr>
+          <a:xfrm>
+            <a:off x="2761024" y="1102437"/>
+            <a:ext cx="1828800" cy="914400"/>
           </a:xfrm>
           <a:prstGeom prst="roundRect">
             <a:avLst/>
@@ -3006,59 +3185,130 @@
           <a:p>
             <a:pPr algn="ctr"/>
             <a:r>
-              <a:rPr lang="en-US" dirty="0" smtClean="0"/>
-              <a:t>Forces</a:t>
-            </a:r>
-            <a:endParaRPr lang="en-US" dirty="0"/>
-          </a:p>
-        </p:txBody>
-      </p:sp>
-      <p:cxnSp>
-        <p:nvCxnSpPr>
-          <p:cNvPr id="56" name="Straight Arrow Connector 55"/>
-          <p:cNvCxnSpPr>
-            <a:stCxn id="4" idx="2"/>
-            <a:endCxn id="23" idx="0"/>
-          </p:cNvCxnSpPr>
+              <a:rPr lang="en-US" dirty="0"/>
+              <a:t>Point Forces</a:t>
+            </a:r>
+          </a:p>
+        </p:txBody>
+      </p:sp>
+      <p:sp>
+        <p:nvSpPr>
+          <p:cNvPr id="39" name="Rounded Rectangle 33">
+            <a:extLst>
+              <a:ext uri="{FF2B5EF4-FFF2-40B4-BE49-F238E27FC236}">
+                <a16:creationId xmlns:a16="http://schemas.microsoft.com/office/drawing/2014/main" id="{0D0D96AA-74C9-4D10-B5C2-C5498B7CB983}"/>
+              </a:ext>
+            </a:extLst>
+          </p:cNvPr>
+          <p:cNvSpPr/>
           <p:nvPr/>
-        </p:nvCxnSpPr>
+        </p:nvSpPr>
         <p:spPr>
           <a:xfrm>
-            <a:off x="3595940" y="1655137"/>
-            <a:ext cx="2608770" cy="931623"/>
+            <a:off x="2113075" y="2540751"/>
+            <a:ext cx="6212916" cy="3929830"/>
           </a:xfrm>
-          <a:prstGeom prst="straightConnector1">
-            <a:avLst/>
+          <a:prstGeom prst="roundRect">
+            <a:avLst>
+              <a:gd name="adj" fmla="val 9887"/>
+            </a:avLst>
           </a:prstGeom>
-          <a:ln w="38100">
-            <a:tailEnd type="triangle"/>
-          </a:ln>
+          <a:solidFill>
+            <a:schemeClr val="accent1">
+              <a:lumMod val="40000"/>
+              <a:lumOff val="60000"/>
+            </a:schemeClr>
+          </a:solidFill>
         </p:spPr>
         <p:style>
-          <a:lnRef idx="3">
-            <a:schemeClr val="dk1"/>
+          <a:lnRef idx="2">
+            <a:schemeClr val="accent1">
+              <a:shade val="50000"/>
+            </a:schemeClr>
           </a:lnRef>
-          <a:fillRef idx="0">
-            <a:schemeClr val="dk1"/>
+          <a:fillRef idx="1">
+            <a:schemeClr val="accent1"/>
           </a:fillRef>
-          <a:effectRef idx="2">
-            <a:schemeClr val="dk1"/>
+          <a:effectRef idx="0">
+            <a:schemeClr val="accent1"/>
           </a:effectRef>
           <a:fontRef idx="minor">
-            <a:schemeClr val="tx1"/>
+            <a:schemeClr val="lt1"/>
           </a:fontRef>
         </p:style>
-      </p:cxnSp>
-      <p:sp>
-        <p:nvSpPr>
-          <p:cNvPr id="23" name="Rounded Rectangle 22"/>
+        <p:txBody>
+          <a:bodyPr rtlCol="0" anchor="ctr"/>
+          <a:lstStyle/>
+          <a:p>
+            <a:pPr algn="ctr"/>
+            <a:r>
+              <a:rPr lang="en-US" dirty="0"/>
+              <a:t>Statically Equivalent </a:t>
+            </a:r>
+          </a:p>
+          <a:p>
+            <a:pPr algn="ctr"/>
+            <a:r>
+              <a:rPr lang="en-US" dirty="0"/>
+              <a:t>Systems</a:t>
+            </a:r>
+          </a:p>
+          <a:p>
+            <a:pPr algn="ctr"/>
+            <a:endParaRPr lang="en-US" dirty="0"/>
+          </a:p>
+          <a:p>
+            <a:pPr algn="ctr"/>
+            <a:endParaRPr lang="en-US" dirty="0"/>
+          </a:p>
+          <a:p>
+            <a:pPr algn="ctr"/>
+            <a:endParaRPr lang="en-US" dirty="0"/>
+          </a:p>
+          <a:p>
+            <a:pPr algn="ctr"/>
+            <a:endParaRPr lang="en-US" dirty="0"/>
+          </a:p>
+          <a:p>
+            <a:pPr algn="ctr"/>
+            <a:endParaRPr lang="en-US" dirty="0"/>
+          </a:p>
+          <a:p>
+            <a:pPr algn="ctr"/>
+            <a:endParaRPr lang="en-US" dirty="0"/>
+          </a:p>
+          <a:p>
+            <a:pPr algn="ctr"/>
+            <a:endParaRPr lang="en-US" dirty="0"/>
+          </a:p>
+          <a:p>
+            <a:pPr algn="ctr"/>
+            <a:endParaRPr lang="en-US" dirty="0"/>
+          </a:p>
+          <a:p>
+            <a:pPr algn="ctr"/>
+            <a:endParaRPr lang="en-US" dirty="0"/>
+          </a:p>
+          <a:p>
+            <a:pPr algn="ctr"/>
+            <a:endParaRPr lang="en-US" dirty="0"/>
+          </a:p>
+          <a:p>
+            <a:pPr algn="ctr"/>
+            <a:endParaRPr lang="en-US" dirty="0"/>
+          </a:p>
+        </p:txBody>
+      </p:sp>
+      <p:sp>
+        <p:nvSpPr>
+          <p:cNvPr id="29" name="Rounded Rectangle 28"/>
           <p:cNvSpPr/>
           <p:nvPr/>
         </p:nvSpPr>
         <p:spPr>
           <a:xfrm>
-            <a:off x="5310912" y="2586760"/>
-            <a:ext cx="1787596" cy="1014844"/>
+            <a:off x="2761024" y="3462836"/>
+            <a:ext cx="1828800" cy="1371600"/>
           </a:xfrm>
           <a:prstGeom prst="roundRect">
             <a:avLst/>
@@ -3086,67 +3336,22 @@
           <a:p>
             <a:pPr algn="ctr"/>
             <a:r>
-              <a:rPr lang="en-US" dirty="0" smtClean="0"/>
-              <a:t>Statically Equivalent Systems</a:t>
-            </a:r>
-            <a:endParaRPr lang="en-US" dirty="0"/>
-          </a:p>
-        </p:txBody>
-      </p:sp>
-      <p:sp>
-        <p:nvSpPr>
-          <p:cNvPr id="24" name="Rounded Rectangle 23"/>
+              <a:rPr lang="en-US" dirty="0"/>
+              <a:t>Resolution of a Force into a Force and Couple</a:t>
+            </a:r>
+          </a:p>
+        </p:txBody>
+      </p:sp>
+      <p:sp>
+        <p:nvSpPr>
+          <p:cNvPr id="30" name="Rounded Rectangle 29"/>
           <p:cNvSpPr/>
           <p:nvPr/>
         </p:nvSpPr>
         <p:spPr>
           <a:xfrm>
-            <a:off x="7772727" y="2655455"/>
-            <a:ext cx="1560945" cy="877454"/>
-          </a:xfrm>
-          <a:prstGeom prst="roundRect">
-            <a:avLst/>
-          </a:prstGeom>
-        </p:spPr>
-        <p:style>
-          <a:lnRef idx="2">
-            <a:schemeClr val="accent6">
-              <a:shade val="50000"/>
-            </a:schemeClr>
-          </a:lnRef>
-          <a:fillRef idx="1">
-            <a:schemeClr val="accent6"/>
-          </a:fillRef>
-          <a:effectRef idx="0">
-            <a:schemeClr val="accent6"/>
-          </a:effectRef>
-          <a:fontRef idx="minor">
-            <a:schemeClr val="lt1"/>
-          </a:fontRef>
-        </p:style>
-        <p:txBody>
-          <a:bodyPr rtlCol="0" anchor="ctr"/>
-          <a:lstStyle/>
-          <a:p>
-            <a:pPr algn="ctr"/>
-            <a:r>
-              <a:rPr lang="en-US" dirty="0" smtClean="0"/>
-              <a:t>Couples</a:t>
-            </a:r>
-            <a:endParaRPr lang="en-US" dirty="0"/>
-          </a:p>
-        </p:txBody>
-      </p:sp>
-      <p:sp>
-        <p:nvSpPr>
-          <p:cNvPr id="25" name="Rounded Rectangle 24"/>
-          <p:cNvSpPr/>
-          <p:nvPr/>
-        </p:nvSpPr>
-        <p:spPr>
-          <a:xfrm>
-            <a:off x="2702142" y="2523354"/>
-            <a:ext cx="1787596" cy="1014844"/>
+            <a:off x="2761024" y="5204720"/>
+            <a:ext cx="1828800" cy="914400"/>
           </a:xfrm>
           <a:prstGeom prst="roundRect">
             <a:avLst/>
@@ -3174,246 +3379,24 @@
           <a:p>
             <a:pPr algn="ctr"/>
             <a:r>
-              <a:rPr lang="en-US" dirty="0" smtClean="0"/>
-              <a:t>Distributed Forces</a:t>
-            </a:r>
-            <a:endParaRPr lang="en-US" dirty="0"/>
-          </a:p>
-        </p:txBody>
-      </p:sp>
-      <p:sp>
-        <p:nvSpPr>
-          <p:cNvPr id="26" name="Rounded Rectangle 25"/>
-          <p:cNvSpPr/>
-          <p:nvPr/>
-        </p:nvSpPr>
-        <p:spPr>
-          <a:xfrm>
-            <a:off x="2702142" y="4265372"/>
-            <a:ext cx="1787596" cy="1014844"/>
-          </a:xfrm>
-          <a:prstGeom prst="roundRect">
-            <a:avLst/>
-          </a:prstGeom>
-        </p:spPr>
-        <p:style>
-          <a:lnRef idx="2">
-            <a:schemeClr val="accent1">
-              <a:shade val="50000"/>
-            </a:schemeClr>
-          </a:lnRef>
-          <a:fillRef idx="1">
-            <a:schemeClr val="accent1"/>
-          </a:fillRef>
-          <a:effectRef idx="0">
-            <a:schemeClr val="accent1"/>
-          </a:effectRef>
-          <a:fontRef idx="minor">
-            <a:schemeClr val="lt1"/>
-          </a:fontRef>
-        </p:style>
-        <p:txBody>
-          <a:bodyPr rtlCol="0" anchor="ctr"/>
-          <a:lstStyle/>
-          <a:p>
-            <a:pPr algn="ctr"/>
-            <a:r>
-              <a:rPr lang="en-US" dirty="0" smtClean="0"/>
-              <a:t>Equivalent Point Load</a:t>
-            </a:r>
-            <a:endParaRPr lang="en-US" dirty="0"/>
-          </a:p>
-        </p:txBody>
-      </p:sp>
-      <p:sp>
-        <p:nvSpPr>
-          <p:cNvPr id="28" name="Rounded Rectangle 27"/>
-          <p:cNvSpPr/>
-          <p:nvPr/>
-        </p:nvSpPr>
-        <p:spPr>
-          <a:xfrm>
-            <a:off x="474793" y="2592049"/>
-            <a:ext cx="1560945" cy="877454"/>
-          </a:xfrm>
-          <a:prstGeom prst="roundRect">
-            <a:avLst/>
-          </a:prstGeom>
-        </p:spPr>
-        <p:style>
-          <a:lnRef idx="2">
-            <a:schemeClr val="accent6">
-              <a:shade val="50000"/>
-            </a:schemeClr>
-          </a:lnRef>
-          <a:fillRef idx="1">
-            <a:schemeClr val="accent6"/>
-          </a:fillRef>
-          <a:effectRef idx="0">
-            <a:schemeClr val="accent6"/>
-          </a:effectRef>
-          <a:fontRef idx="minor">
-            <a:schemeClr val="lt1"/>
-          </a:fontRef>
-        </p:style>
-        <p:txBody>
-          <a:bodyPr rtlCol="0" anchor="ctr"/>
-          <a:lstStyle/>
-          <a:p>
-            <a:pPr algn="ctr"/>
-            <a:r>
-              <a:rPr lang="en-US" dirty="0" smtClean="0"/>
-              <a:t>Point Forces</a:t>
-            </a:r>
-            <a:endParaRPr lang="en-US" dirty="0"/>
-          </a:p>
-        </p:txBody>
-      </p:sp>
-      <p:sp>
-        <p:nvSpPr>
-          <p:cNvPr id="29" name="Rounded Rectangle 28"/>
-          <p:cNvSpPr/>
-          <p:nvPr/>
-        </p:nvSpPr>
-        <p:spPr>
-          <a:xfrm>
-            <a:off x="7501482" y="4265372"/>
-            <a:ext cx="2103434" cy="1014844"/>
-          </a:xfrm>
-          <a:prstGeom prst="roundRect">
-            <a:avLst/>
-          </a:prstGeom>
-        </p:spPr>
-        <p:style>
-          <a:lnRef idx="2">
-            <a:schemeClr val="accent1">
-              <a:shade val="50000"/>
-            </a:schemeClr>
-          </a:lnRef>
-          <a:fillRef idx="1">
-            <a:schemeClr val="accent1"/>
-          </a:fillRef>
-          <a:effectRef idx="0">
-            <a:schemeClr val="accent1"/>
-          </a:effectRef>
-          <a:fontRef idx="minor">
-            <a:schemeClr val="lt1"/>
-          </a:fontRef>
-        </p:style>
-        <p:txBody>
-          <a:bodyPr rtlCol="0" anchor="ctr"/>
-          <a:lstStyle/>
-          <a:p>
-            <a:pPr algn="ctr"/>
-            <a:r>
-              <a:rPr lang="en-US" dirty="0" smtClean="0"/>
-              <a:t>Resolution of a Force into a Force and Couple</a:t>
-            </a:r>
-            <a:endParaRPr lang="en-US" dirty="0"/>
-          </a:p>
-        </p:txBody>
-      </p:sp>
-      <p:sp>
-        <p:nvSpPr>
-          <p:cNvPr id="30" name="Rounded Rectangle 29"/>
-          <p:cNvSpPr/>
-          <p:nvPr/>
-        </p:nvSpPr>
-        <p:spPr>
-          <a:xfrm>
-            <a:off x="7659402" y="5600027"/>
-            <a:ext cx="1787596" cy="1014844"/>
-          </a:xfrm>
-          <a:prstGeom prst="roundRect">
-            <a:avLst/>
-          </a:prstGeom>
-        </p:spPr>
-        <p:style>
-          <a:lnRef idx="2">
-            <a:schemeClr val="accent1">
-              <a:shade val="50000"/>
-            </a:schemeClr>
-          </a:lnRef>
-          <a:fillRef idx="1">
-            <a:schemeClr val="accent1"/>
-          </a:fillRef>
-          <a:effectRef idx="0">
-            <a:schemeClr val="accent1"/>
-          </a:effectRef>
-          <a:fontRef idx="minor">
-            <a:schemeClr val="lt1"/>
-          </a:fontRef>
-        </p:style>
-        <p:txBody>
-          <a:bodyPr rtlCol="0" anchor="ctr"/>
-          <a:lstStyle/>
-          <a:p>
-            <a:pPr algn="ctr"/>
-            <a:r>
-              <a:rPr lang="en-US" dirty="0" smtClean="0"/>
+              <a:rPr lang="en-US" dirty="0"/>
               <a:t>Equivalent Force Couple System</a:t>
             </a:r>
-            <a:endParaRPr lang="en-US" dirty="0"/>
-          </a:p>
-        </p:txBody>
-      </p:sp>
-      <p:sp>
-        <p:nvSpPr>
-          <p:cNvPr id="31" name="Rounded Rectangle 30"/>
-          <p:cNvSpPr/>
-          <p:nvPr/>
-        </p:nvSpPr>
-        <p:spPr>
-          <a:xfrm>
-            <a:off x="7772727" y="632163"/>
-            <a:ext cx="1560945" cy="877454"/>
-          </a:xfrm>
-          <a:prstGeom prst="roundRect">
-            <a:avLst/>
-          </a:prstGeom>
-        </p:spPr>
-        <p:style>
-          <a:lnRef idx="2">
-            <a:schemeClr val="accent6">
-              <a:shade val="50000"/>
-            </a:schemeClr>
-          </a:lnRef>
-          <a:fillRef idx="1">
-            <a:schemeClr val="accent6"/>
-          </a:fillRef>
-          <a:effectRef idx="0">
-            <a:schemeClr val="accent6"/>
-          </a:effectRef>
-          <a:fontRef idx="minor">
-            <a:schemeClr val="lt1"/>
-          </a:fontRef>
-        </p:style>
-        <p:txBody>
-          <a:bodyPr rtlCol="0" anchor="ctr"/>
-          <a:lstStyle/>
-          <a:p>
-            <a:pPr algn="ctr"/>
-            <a:r>
-              <a:rPr lang="en-US" dirty="0" smtClean="0"/>
-              <a:t>Moments</a:t>
-            </a:r>
-            <a:endParaRPr lang="en-US" dirty="0"/>
           </a:p>
         </p:txBody>
       </p:sp>
       <p:cxnSp>
         <p:nvCxnSpPr>
-          <p:cNvPr id="33" name="Straight Arrow Connector 32"/>
+          <p:cNvPr id="36" name="Straight Arrow Connector 35"/>
           <p:cNvCxnSpPr>
-            <a:stCxn id="24" idx="2"/>
-            <a:endCxn id="29" idx="0"/>
+            <a:cxnSpLocks/>
           </p:cNvCxnSpPr>
           <p:nvPr/>
         </p:nvCxnSpPr>
         <p:spPr>
-          <a:xfrm flipH="1">
-            <a:off x="8553199" y="3532909"/>
-            <a:ext cx="1" cy="732463"/>
+          <a:xfrm>
+            <a:off x="3675424" y="2016837"/>
+            <a:ext cx="0" cy="1445999"/>
           </a:xfrm>
           <a:prstGeom prst="straightConnector1">
             <a:avLst/>
@@ -3439,17 +3422,103 @@
       </p:cxnSp>
       <p:cxnSp>
         <p:nvCxnSpPr>
-          <p:cNvPr id="36" name="Straight Arrow Connector 35"/>
+          <p:cNvPr id="46" name="Straight Arrow Connector 45">
+            <a:extLst>
+              <a:ext uri="{FF2B5EF4-FFF2-40B4-BE49-F238E27FC236}">
+                <a16:creationId xmlns:a16="http://schemas.microsoft.com/office/drawing/2014/main" id="{A51A8697-0C7A-4E85-BD95-F2B3C58222CA}"/>
+              </a:ext>
+            </a:extLst>
+          </p:cNvPr>
           <p:cNvCxnSpPr>
-            <a:stCxn id="31" idx="2"/>
-            <a:endCxn id="23" idx="0"/>
+            <a:cxnSpLocks/>
+            <a:stCxn id="29" idx="2"/>
+            <a:endCxn id="30" idx="0"/>
+          </p:cNvCxnSpPr>
+          <p:nvPr/>
+        </p:nvCxnSpPr>
+        <p:spPr>
+          <a:xfrm>
+            <a:off x="3675424" y="4834436"/>
+            <a:ext cx="0" cy="370284"/>
+          </a:xfrm>
+          <a:prstGeom prst="straightConnector1">
+            <a:avLst/>
+          </a:prstGeom>
+          <a:ln w="38100">
+            <a:tailEnd type="triangle"/>
+          </a:ln>
+        </p:spPr>
+        <p:style>
+          <a:lnRef idx="3">
+            <a:schemeClr val="dk1"/>
+          </a:lnRef>
+          <a:fillRef idx="0">
+            <a:schemeClr val="dk1"/>
+          </a:fillRef>
+          <a:effectRef idx="2">
+            <a:schemeClr val="dk1"/>
+          </a:effectRef>
+          <a:fontRef idx="minor">
+            <a:schemeClr val="tx1"/>
+          </a:fontRef>
+        </p:style>
+      </p:cxnSp>
+      <p:sp>
+        <p:nvSpPr>
+          <p:cNvPr id="26" name="Rounded Rectangle 25"/>
+          <p:cNvSpPr/>
+          <p:nvPr/>
+        </p:nvSpPr>
+        <p:spPr>
+          <a:xfrm>
+            <a:off x="5816644" y="4189876"/>
+            <a:ext cx="1787596" cy="1014844"/>
+          </a:xfrm>
+          <a:prstGeom prst="roundRect">
+            <a:avLst/>
+          </a:prstGeom>
+        </p:spPr>
+        <p:style>
+          <a:lnRef idx="2">
+            <a:schemeClr val="accent1">
+              <a:shade val="50000"/>
+            </a:schemeClr>
+          </a:lnRef>
+          <a:fillRef idx="1">
+            <a:schemeClr val="accent1"/>
+          </a:fillRef>
+          <a:effectRef idx="0">
+            <a:schemeClr val="accent1"/>
+          </a:effectRef>
+          <a:fontRef idx="minor">
+            <a:schemeClr val="lt1"/>
+          </a:fontRef>
+        </p:style>
+        <p:txBody>
+          <a:bodyPr rtlCol="0" anchor="ctr"/>
+          <a:lstStyle/>
+          <a:p>
+            <a:pPr algn="ctr"/>
+            <a:r>
+              <a:rPr lang="en-US" dirty="0"/>
+              <a:t>Equivalent Point Load</a:t>
+            </a:r>
+          </a:p>
+        </p:txBody>
+      </p:sp>
+      <p:cxnSp>
+        <p:nvCxnSpPr>
+          <p:cNvPr id="51" name="Straight Arrow Connector 50"/>
+          <p:cNvCxnSpPr>
+            <a:cxnSpLocks/>
+            <a:endCxn id="26" idx="0"/>
           </p:cNvCxnSpPr>
           <p:nvPr/>
         </p:nvCxnSpPr>
         <p:spPr>
           <a:xfrm flipH="1">
-            <a:off x="6204710" y="1509617"/>
-            <a:ext cx="2348490" cy="1077143"/>
+            <a:off x="6710442" y="2016837"/>
+            <a:ext cx="20602" cy="2173039"/>
           </a:xfrm>
           <a:prstGeom prst="straightConnector1">
             <a:avLst/>
@@ -3475,23 +3544,30 @@
       </p:cxnSp>
       <p:cxnSp>
         <p:nvCxnSpPr>
-          <p:cNvPr id="38" name="Straight Arrow Connector 37"/>
+          <p:cNvPr id="52" name="Connector: Elbow 51">
+            <a:extLst>
+              <a:ext uri="{FF2B5EF4-FFF2-40B4-BE49-F238E27FC236}">
+                <a16:creationId xmlns:a16="http://schemas.microsoft.com/office/drawing/2014/main" id="{D57B75AF-DC29-4A71-AE5B-EF11E1E1EF6D}"/>
+              </a:ext>
+            </a:extLst>
+          </p:cNvPr>
           <p:cNvCxnSpPr>
-            <a:stCxn id="23" idx="2"/>
-            <a:endCxn id="26" idx="0"/>
+            <a:cxnSpLocks/>
+            <a:stCxn id="81" idx="2"/>
           </p:cNvCxnSpPr>
           <p:nvPr/>
         </p:nvCxnSpPr>
         <p:spPr>
-          <a:xfrm flipH="1">
-            <a:off x="3595940" y="3601604"/>
-            <a:ext cx="2608770" cy="663768"/>
+          <a:xfrm rot="5400000">
+            <a:off x="7317742" y="1411668"/>
+            <a:ext cx="1140691" cy="2355292"/>
           </a:xfrm>
-          <a:prstGeom prst="straightConnector1">
+          <a:prstGeom prst="bentConnector2">
             <a:avLst/>
           </a:prstGeom>
           <a:ln w="38100">
-            <a:tailEnd type="triangle"/>
+            <a:headEnd type="none" w="med" len="med"/>
+            <a:tailEnd type="none" w="med" len="med"/>
           </a:ln>
         </p:spPr>
         <p:style>
@@ -3511,23 +3587,29 @@
       </p:cxnSp>
       <p:cxnSp>
         <p:nvCxnSpPr>
-          <p:cNvPr id="42" name="Straight Arrow Connector 41"/>
+          <p:cNvPr id="57" name="Connector: Elbow 56">
+            <a:extLst>
+              <a:ext uri="{FF2B5EF4-FFF2-40B4-BE49-F238E27FC236}">
+                <a16:creationId xmlns:a16="http://schemas.microsoft.com/office/drawing/2014/main" id="{F89C5F08-A04B-4A49-A802-244491862A43}"/>
+              </a:ext>
+            </a:extLst>
+          </p:cNvPr>
           <p:cNvCxnSpPr>
-            <a:stCxn id="23" idx="2"/>
-            <a:endCxn id="29" idx="0"/>
+            <a:cxnSpLocks/>
           </p:cNvCxnSpPr>
           <p:nvPr/>
         </p:nvCxnSpPr>
         <p:spPr>
-          <a:xfrm>
-            <a:off x="6204710" y="3601604"/>
-            <a:ext cx="2348489" cy="663768"/>
+          <a:xfrm rot="5400000">
+            <a:off x="9486147" y="1597073"/>
+            <a:ext cx="1142825" cy="1983650"/>
           </a:xfrm>
-          <a:prstGeom prst="straightConnector1">
+          <a:prstGeom prst="bentConnector2">
             <a:avLst/>
           </a:prstGeom>
           <a:ln w="38100">
-            <a:tailEnd type="triangle"/>
+            <a:headEnd type="none" w="med" len="med"/>
+            <a:tailEnd type="none" w="med" len="med"/>
           </a:ln>
         </p:spPr>
         <p:style>
@@ -3545,232 +3627,22 @@
           </a:fontRef>
         </p:style>
       </p:cxnSp>
-      <p:cxnSp>
-        <p:nvCxnSpPr>
-          <p:cNvPr id="45" name="Straight Arrow Connector 44"/>
-          <p:cNvCxnSpPr>
-            <a:stCxn id="29" idx="2"/>
-            <a:endCxn id="30" idx="0"/>
-          </p:cNvCxnSpPr>
+      <p:sp>
+        <p:nvSpPr>
+          <p:cNvPr id="60" name="Rounded Rectangle 31">
+            <a:extLst>
+              <a:ext uri="{FF2B5EF4-FFF2-40B4-BE49-F238E27FC236}">
+                <a16:creationId xmlns:a16="http://schemas.microsoft.com/office/drawing/2014/main" id="{A8795A47-D917-42C7-B8F6-794AB5E5E237}"/>
+              </a:ext>
+            </a:extLst>
+          </p:cNvPr>
+          <p:cNvSpPr/>
           <p:nvPr/>
-        </p:nvCxnSpPr>
+        </p:nvSpPr>
         <p:spPr>
           <a:xfrm>
-            <a:off x="8553199" y="5280216"/>
-            <a:ext cx="1" cy="319811"/>
-          </a:xfrm>
-          <a:prstGeom prst="straightConnector1">
-            <a:avLst/>
-          </a:prstGeom>
-          <a:ln w="38100">
-            <a:tailEnd type="triangle"/>
-          </a:ln>
-        </p:spPr>
-        <p:style>
-          <a:lnRef idx="3">
-            <a:schemeClr val="dk1"/>
-          </a:lnRef>
-          <a:fillRef idx="0">
-            <a:schemeClr val="dk1"/>
-          </a:fillRef>
-          <a:effectRef idx="2">
-            <a:schemeClr val="dk1"/>
-          </a:effectRef>
-          <a:fontRef idx="minor">
-            <a:schemeClr val="tx1"/>
-          </a:fontRef>
-        </p:style>
-      </p:cxnSp>
-      <p:cxnSp>
-        <p:nvCxnSpPr>
-          <p:cNvPr id="51" name="Straight Arrow Connector 50"/>
-          <p:cNvCxnSpPr>
-            <a:stCxn id="31" idx="2"/>
-            <a:endCxn id="24" idx="0"/>
-          </p:cNvCxnSpPr>
-          <p:nvPr/>
-        </p:nvCxnSpPr>
-        <p:spPr>
-          <a:xfrm>
-            <a:off x="8553200" y="1509617"/>
-            <a:ext cx="0" cy="1145838"/>
-          </a:xfrm>
-          <a:prstGeom prst="straightConnector1">
-            <a:avLst/>
-          </a:prstGeom>
-          <a:ln w="38100">
-            <a:tailEnd type="triangle"/>
-          </a:ln>
-        </p:spPr>
-        <p:style>
-          <a:lnRef idx="3">
-            <a:schemeClr val="dk1"/>
-          </a:lnRef>
-          <a:fillRef idx="0">
-            <a:schemeClr val="dk1"/>
-          </a:fillRef>
-          <a:effectRef idx="2">
-            <a:schemeClr val="dk1"/>
-          </a:effectRef>
-          <a:fontRef idx="minor">
-            <a:schemeClr val="tx1"/>
-          </a:fontRef>
-        </p:style>
-      </p:cxnSp>
-      <p:cxnSp>
-        <p:nvCxnSpPr>
-          <p:cNvPr id="54" name="Straight Arrow Connector 53"/>
-          <p:cNvCxnSpPr>
-            <a:stCxn id="25" idx="2"/>
-            <a:endCxn id="26" idx="0"/>
-          </p:cNvCxnSpPr>
-          <p:nvPr/>
-        </p:nvCxnSpPr>
-        <p:spPr>
-          <a:xfrm>
-            <a:off x="3595940" y="3538198"/>
-            <a:ext cx="0" cy="727174"/>
-          </a:xfrm>
-          <a:prstGeom prst="straightConnector1">
-            <a:avLst/>
-          </a:prstGeom>
-          <a:ln w="38100">
-            <a:tailEnd type="triangle"/>
-          </a:ln>
-        </p:spPr>
-        <p:style>
-          <a:lnRef idx="3">
-            <a:schemeClr val="dk1"/>
-          </a:lnRef>
-          <a:fillRef idx="0">
-            <a:schemeClr val="dk1"/>
-          </a:fillRef>
-          <a:effectRef idx="2">
-            <a:schemeClr val="dk1"/>
-          </a:effectRef>
-          <a:fontRef idx="minor">
-            <a:schemeClr val="tx1"/>
-          </a:fontRef>
-        </p:style>
-      </p:cxnSp>
-      <p:cxnSp>
-        <p:nvCxnSpPr>
-          <p:cNvPr id="58" name="Straight Arrow Connector 57"/>
-          <p:cNvCxnSpPr>
-            <a:stCxn id="28" idx="2"/>
-            <a:endCxn id="26" idx="1"/>
-          </p:cNvCxnSpPr>
-          <p:nvPr/>
-        </p:nvCxnSpPr>
-        <p:spPr>
-          <a:xfrm>
-            <a:off x="1255266" y="3469503"/>
-            <a:ext cx="1446876" cy="1303291"/>
-          </a:xfrm>
-          <a:prstGeom prst="straightConnector1">
-            <a:avLst/>
-          </a:prstGeom>
-          <a:ln w="38100">
-            <a:tailEnd type="triangle"/>
-          </a:ln>
-        </p:spPr>
-        <p:style>
-          <a:lnRef idx="3">
-            <a:schemeClr val="dk1"/>
-          </a:lnRef>
-          <a:fillRef idx="0">
-            <a:schemeClr val="dk1"/>
-          </a:fillRef>
-          <a:effectRef idx="2">
-            <a:schemeClr val="dk1"/>
-          </a:effectRef>
-          <a:fontRef idx="minor">
-            <a:schemeClr val="tx1"/>
-          </a:fontRef>
-        </p:style>
-      </p:cxnSp>
-      <p:cxnSp>
-        <p:nvCxnSpPr>
-          <p:cNvPr id="62" name="Straight Arrow Connector 61"/>
-          <p:cNvCxnSpPr>
-            <a:stCxn id="4" idx="2"/>
-            <a:endCxn id="25" idx="0"/>
-          </p:cNvCxnSpPr>
-          <p:nvPr/>
-        </p:nvCxnSpPr>
-        <p:spPr>
-          <a:xfrm>
-            <a:off x="3595940" y="1655137"/>
-            <a:ext cx="0" cy="868217"/>
-          </a:xfrm>
-          <a:prstGeom prst="straightConnector1">
-            <a:avLst/>
-          </a:prstGeom>
-          <a:ln w="38100">
-            <a:tailEnd type="triangle"/>
-          </a:ln>
-        </p:spPr>
-        <p:style>
-          <a:lnRef idx="3">
-            <a:schemeClr val="dk1"/>
-          </a:lnRef>
-          <a:fillRef idx="0">
-            <a:schemeClr val="dk1"/>
-          </a:fillRef>
-          <a:effectRef idx="2">
-            <a:schemeClr val="dk1"/>
-          </a:effectRef>
-          <a:fontRef idx="minor">
-            <a:schemeClr val="tx1"/>
-          </a:fontRef>
-        </p:style>
-      </p:cxnSp>
-      <p:cxnSp>
-        <p:nvCxnSpPr>
-          <p:cNvPr id="76" name="Straight Arrow Connector 75"/>
-          <p:cNvCxnSpPr>
-            <a:stCxn id="4" idx="2"/>
-            <a:endCxn id="28" idx="0"/>
-          </p:cNvCxnSpPr>
-          <p:nvPr/>
-        </p:nvCxnSpPr>
-        <p:spPr>
-          <a:xfrm flipH="1">
-            <a:off x="1255266" y="1655137"/>
-            <a:ext cx="2340674" cy="936912"/>
-          </a:xfrm>
-          <a:prstGeom prst="straightConnector1">
-            <a:avLst/>
-          </a:prstGeom>
-          <a:ln w="38100">
-            <a:tailEnd type="triangle"/>
-          </a:ln>
-        </p:spPr>
-        <p:style>
-          <a:lnRef idx="3">
-            <a:schemeClr val="dk1"/>
-          </a:lnRef>
-          <a:fillRef idx="0">
-            <a:schemeClr val="dk1"/>
-          </a:fillRef>
-          <a:effectRef idx="2">
-            <a:schemeClr val="dk1"/>
-          </a:effectRef>
-          <a:fontRef idx="minor">
-            <a:schemeClr val="tx1"/>
-          </a:fontRef>
-        </p:style>
-      </p:cxnSp>
-      <p:sp>
-        <p:nvSpPr>
-          <p:cNvPr id="81" name="Rounded Rectangle 80"/>
-          <p:cNvSpPr/>
-          <p:nvPr/>
-        </p:nvSpPr>
-        <p:spPr>
-          <a:xfrm>
-            <a:off x="361468" y="4334067"/>
-            <a:ext cx="1560945" cy="877454"/>
+            <a:off x="105460" y="3429000"/>
+            <a:ext cx="1874012" cy="1372084"/>
           </a:xfrm>
           <a:prstGeom prst="roundRect">
             <a:avLst/>
@@ -3798,32 +3670,39 @@
           <a:p>
             <a:pPr algn="ctr"/>
             <a:r>
-              <a:rPr lang="en-US" dirty="0" smtClean="0"/>
-              <a:t>Centroids</a:t>
-            </a:r>
-            <a:endParaRPr lang="en-US" dirty="0"/>
+              <a:rPr lang="en-US" dirty="0"/>
+              <a:t>Equilibrium Analysis for Rigid Body Systems</a:t>
+            </a:r>
           </a:p>
         </p:txBody>
       </p:sp>
       <p:cxnSp>
         <p:nvCxnSpPr>
-          <p:cNvPr id="82" name="Straight Arrow Connector 81"/>
+          <p:cNvPr id="63" name="Connector: Elbow 62">
+            <a:extLst>
+              <a:ext uri="{FF2B5EF4-FFF2-40B4-BE49-F238E27FC236}">
+                <a16:creationId xmlns:a16="http://schemas.microsoft.com/office/drawing/2014/main" id="{8F3A7504-56B0-4D93-83D8-2BEAFAB8F8C3}"/>
+              </a:ext>
+            </a:extLst>
+          </p:cNvPr>
           <p:cNvCxnSpPr>
-            <a:stCxn id="81" idx="3"/>
-            <a:endCxn id="26" idx="1"/>
+            <a:cxnSpLocks/>
+            <a:stCxn id="60" idx="2"/>
+            <a:endCxn id="30" idx="1"/>
           </p:cNvCxnSpPr>
           <p:nvPr/>
         </p:nvCxnSpPr>
         <p:spPr>
-          <a:xfrm>
-            <a:off x="1922413" y="4772794"/>
-            <a:ext cx="779729" cy="0"/>
+          <a:xfrm rot="16200000" flipH="1">
+            <a:off x="1471327" y="4372223"/>
+            <a:ext cx="860836" cy="1718558"/>
           </a:xfrm>
-          <a:prstGeom prst="straightConnector1">
+          <a:prstGeom prst="bentConnector2">
             <a:avLst/>
           </a:prstGeom>
           <a:ln w="38100">
-            <a:tailEnd type="triangle"/>
+            <a:headEnd type="none" w="med" len="med"/>
+            <a:tailEnd type="triangle" w="med" len="med"/>
           </a:ln>
         </p:spPr>
         <p:style>
@@ -3885,7 +3764,7 @@
                                           </p:stCondLst>
                                         </p:cTn>
                                         <p:tgtEl>
-                                          <p:spTgt spid="23"/>
+                                          <p:spTgt spid="4"/>
                                         </p:tgtEl>
                                         <p:attrNameLst>
                                           <p:attrName>style.visibility</p:attrName>
@@ -3899,7 +3778,7 @@
                                       <p:cBhvr>
                                         <p:cTn id="7" dur="500"/>
                                         <p:tgtEl>
-                                          <p:spTgt spid="23"/>
+                                          <p:spTgt spid="4"/>
                                         </p:tgtEl>
                                       </p:cBhvr>
                                     </p:animEffect>
@@ -3925,7 +3804,7 @@
                             </p:stCondLst>
                             <p:childTnLst>
                               <p:par>
-                                <p:cTn id="10" presetID="10" presetClass="entr" presetSubtype="0" fill="hold" nodeType="clickEffect">
+                                <p:cTn id="10" presetID="10" presetClass="entr" presetSubtype="0" fill="hold" grpId="0" nodeType="clickEffect">
                                   <p:stCondLst>
                                     <p:cond delay="0"/>
                                   </p:stCondLst>
@@ -3938,7 +3817,7 @@
                                           </p:stCondLst>
                                         </p:cTn>
                                         <p:tgtEl>
-                                          <p:spTgt spid="56"/>
+                                          <p:spTgt spid="35"/>
                                         </p:tgtEl>
                                         <p:attrNameLst>
                                           <p:attrName>style.visibility</p:attrName>
@@ -3952,7 +3831,166 @@
                                       <p:cBhvr>
                                         <p:cTn id="12" dur="500"/>
                                         <p:tgtEl>
-                                          <p:spTgt spid="56"/>
+                                          <p:spTgt spid="35"/>
+                                        </p:tgtEl>
+                                      </p:cBhvr>
+                                    </p:animEffect>
+                                  </p:childTnLst>
+                                </p:cTn>
+                              </p:par>
+                            </p:childTnLst>
+                          </p:cTn>
+                        </p:par>
+                      </p:childTnLst>
+                    </p:cTn>
+                  </p:par>
+                  <p:par>
+                    <p:cTn id="13" fill="hold">
+                      <p:stCondLst>
+                        <p:cond delay="indefinite"/>
+                      </p:stCondLst>
+                      <p:childTnLst>
+                        <p:par>
+                          <p:cTn id="14" fill="hold">
+                            <p:stCondLst>
+                              <p:cond delay="0"/>
+                            </p:stCondLst>
+                            <p:childTnLst>
+                              <p:par>
+                                <p:cTn id="15" presetID="10" presetClass="entr" presetSubtype="0" fill="hold" grpId="0" nodeType="clickEffect">
+                                  <p:stCondLst>
+                                    <p:cond delay="0"/>
+                                  </p:stCondLst>
+                                  <p:childTnLst>
+                                    <p:set>
+                                      <p:cBhvr>
+                                        <p:cTn id="16" dur="1" fill="hold">
+                                          <p:stCondLst>
+                                            <p:cond delay="0"/>
+                                          </p:stCondLst>
+                                        </p:cTn>
+                                        <p:tgtEl>
+                                          <p:spTgt spid="25"/>
+                                        </p:tgtEl>
+                                        <p:attrNameLst>
+                                          <p:attrName>style.visibility</p:attrName>
+                                        </p:attrNameLst>
+                                      </p:cBhvr>
+                                      <p:to>
+                                        <p:strVal val="visible"/>
+                                      </p:to>
+                                    </p:set>
+                                    <p:animEffect transition="in" filter="fade">
+                                      <p:cBhvr>
+                                        <p:cTn id="17" dur="500"/>
+                                        <p:tgtEl>
+                                          <p:spTgt spid="25"/>
+                                        </p:tgtEl>
+                                      </p:cBhvr>
+                                    </p:animEffect>
+                                  </p:childTnLst>
+                                </p:cTn>
+                              </p:par>
+                            </p:childTnLst>
+                          </p:cTn>
+                        </p:par>
+                      </p:childTnLst>
+                    </p:cTn>
+                  </p:par>
+                  <p:par>
+                    <p:cTn id="18" fill="hold">
+                      <p:stCondLst>
+                        <p:cond delay="indefinite"/>
+                      </p:stCondLst>
+                      <p:childTnLst>
+                        <p:par>
+                          <p:cTn id="19" fill="hold">
+                            <p:stCondLst>
+                              <p:cond delay="0"/>
+                            </p:stCondLst>
+                            <p:childTnLst>
+                              <p:par>
+                                <p:cTn id="20" presetID="10" presetClass="entr" presetSubtype="0" fill="hold" grpId="0" nodeType="clickEffect">
+                                  <p:stCondLst>
+                                    <p:cond delay="0"/>
+                                  </p:stCondLst>
+                                  <p:childTnLst>
+                                    <p:set>
+                                      <p:cBhvr>
+                                        <p:cTn id="21" dur="1" fill="hold">
+                                          <p:stCondLst>
+                                            <p:cond delay="0"/>
+                                          </p:stCondLst>
+                                        </p:cTn>
+                                        <p:tgtEl>
+                                          <p:spTgt spid="39"/>
+                                        </p:tgtEl>
+                                        <p:attrNameLst>
+                                          <p:attrName>style.visibility</p:attrName>
+                                        </p:attrNameLst>
+                                      </p:cBhvr>
+                                      <p:to>
+                                        <p:strVal val="visible"/>
+                                      </p:to>
+                                    </p:set>
+                                    <p:animEffect transition="in" filter="fade">
+                                      <p:cBhvr>
+                                        <p:cTn id="22" dur="500"/>
+                                        <p:tgtEl>
+                                          <p:spTgt spid="39"/>
+                                        </p:tgtEl>
+                                      </p:cBhvr>
+                                    </p:animEffect>
+                                  </p:childTnLst>
+                                </p:cTn>
+                              </p:par>
+                            </p:childTnLst>
+                          </p:cTn>
+                        </p:par>
+                      </p:childTnLst>
+                    </p:cTn>
+                  </p:par>
+                  <p:par>
+                    <p:cTn id="23" fill="hold">
+                      <p:stCondLst>
+                        <p:cond delay="indefinite"/>
+                      </p:stCondLst>
+                      <p:childTnLst>
+                        <p:par>
+                          <p:cTn id="24" fill="hold">
+                            <p:stCondLst>
+                              <p:cond delay="0"/>
+                            </p:stCondLst>
+                            <p:childTnLst>
+                              <p:par>
+                                <p:cTn id="25" presetID="10" presetClass="entr" presetSubtype="0" fill="hold" grpId="0" nodeType="clickEffect">
+                                  <p:stCondLst>
+                                    <p:cond delay="0"/>
+                                  </p:stCondLst>
+                                  <p:childTnLst>
+                                    <p:set>
+                                      <p:cBhvr>
+                                        <p:cTn id="26" dur="1" fill="hold">
+                                          <p:stCondLst>
+                                            <p:cond delay="0"/>
+                                          </p:stCondLst>
+                                        </p:cTn>
+                                        <p:tgtEl>
+                                          <p:spTgt spid="29"/>
+                                        </p:tgtEl>
+                                        <p:attrNameLst>
+                                          <p:attrName>style.visibility</p:attrName>
+                                        </p:attrNameLst>
+                                      </p:cBhvr>
+                                      <p:to>
+                                        <p:strVal val="visible"/>
+                                      </p:to>
+                                    </p:set>
+                                    <p:animEffect transition="in" filter="fade">
+                                      <p:cBhvr>
+                                        <p:cTn id="27" dur="500"/>
+                                        <p:tgtEl>
+                                          <p:spTgt spid="29"/>
                                         </p:tgtEl>
                                       </p:cBhvr>
                                     </p:animEffect>
@@ -3960,14 +3998,14 @@
                                 </p:cTn>
                               </p:par>
                               <p:par>
-                                <p:cTn id="13" presetID="10" presetClass="entr" presetSubtype="0" fill="hold" nodeType="withEffect">
+                                <p:cTn id="28" presetID="10" presetClass="entr" presetSubtype="0" fill="hold" nodeType="withEffect">
                                   <p:stCondLst>
                                     <p:cond delay="0"/>
                                   </p:stCondLst>
                                   <p:childTnLst>
                                     <p:set>
                                       <p:cBhvr>
-                                        <p:cTn id="14" dur="1" fill="hold">
+                                        <p:cTn id="29" dur="1" fill="hold">
                                           <p:stCondLst>
                                             <p:cond delay="0"/>
                                           </p:stCondLst>
@@ -3985,79 +4023,9 @@
                                     </p:set>
                                     <p:animEffect transition="in" filter="fade">
                                       <p:cBhvr>
-                                        <p:cTn id="15" dur="500"/>
+                                        <p:cTn id="30" dur="500"/>
                                         <p:tgtEl>
                                           <p:spTgt spid="36"/>
-                                        </p:tgtEl>
-                                      </p:cBhvr>
-                                    </p:animEffect>
-                                  </p:childTnLst>
-                                </p:cTn>
-                              </p:par>
-                              <p:par>
-                                <p:cTn id="16" presetID="10" presetClass="entr" presetSubtype="0" fill="hold" grpId="0" nodeType="withEffect">
-                                  <p:stCondLst>
-                                    <p:cond delay="0"/>
-                                  </p:stCondLst>
-                                  <p:childTnLst>
-                                    <p:set>
-                                      <p:cBhvr>
-                                        <p:cTn id="17" dur="1" fill="hold">
-                                          <p:stCondLst>
-                                            <p:cond delay="0"/>
-                                          </p:stCondLst>
-                                        </p:cTn>
-                                        <p:tgtEl>
-                                          <p:spTgt spid="4"/>
-                                        </p:tgtEl>
-                                        <p:attrNameLst>
-                                          <p:attrName>style.visibility</p:attrName>
-                                        </p:attrNameLst>
-                                      </p:cBhvr>
-                                      <p:to>
-                                        <p:strVal val="visible"/>
-                                      </p:to>
-                                    </p:set>
-                                    <p:animEffect transition="in" filter="fade">
-                                      <p:cBhvr>
-                                        <p:cTn id="18" dur="500"/>
-                                        <p:tgtEl>
-                                          <p:spTgt spid="4"/>
-                                        </p:tgtEl>
-                                      </p:cBhvr>
-                                    </p:animEffect>
-                                  </p:childTnLst>
-                                </p:cTn>
-                              </p:par>
-                              <p:par>
-                                <p:cTn id="19" presetID="10" presetClass="entr" presetSubtype="0" fill="hold" grpId="0" nodeType="withEffect">
-                                  <p:stCondLst>
-                                    <p:cond delay="0"/>
-                                  </p:stCondLst>
-                                  <p:childTnLst>
-                                    <p:set>
-                                      <p:cBhvr>
-                                        <p:cTn id="20" dur="1" fill="hold">
-                                          <p:stCondLst>
-                                            <p:cond delay="0"/>
-                                          </p:stCondLst>
-                                        </p:cTn>
-                                        <p:tgtEl>
-                                          <p:spTgt spid="31"/>
-                                        </p:tgtEl>
-                                        <p:attrNameLst>
-                                          <p:attrName>style.visibility</p:attrName>
-                                        </p:attrNameLst>
-                                      </p:cBhvr>
-                                      <p:to>
-                                        <p:strVal val="visible"/>
-                                      </p:to>
-                                    </p:set>
-                                    <p:animEffect transition="in" filter="fade">
-                                      <p:cBhvr>
-                                        <p:cTn id="21" dur="500"/>
-                                        <p:tgtEl>
-                                          <p:spTgt spid="31"/>
                                         </p:tgtEl>
                                       </p:cBhvr>
                                     </p:animEffect>
@@ -4071,32 +4039,32 @@
                     </p:cTn>
                   </p:par>
                   <p:par>
-                    <p:cTn id="22" fill="hold">
+                    <p:cTn id="31" fill="hold">
                       <p:stCondLst>
                         <p:cond delay="indefinite"/>
                       </p:stCondLst>
                       <p:childTnLst>
                         <p:par>
-                          <p:cTn id="23" fill="hold">
+                          <p:cTn id="32" fill="hold">
                             <p:stCondLst>
                               <p:cond delay="0"/>
                             </p:stCondLst>
                             <p:childTnLst>
                               <p:par>
-                                <p:cTn id="24" presetID="10" presetClass="entr" presetSubtype="0" fill="hold" nodeType="clickEffect">
+                                <p:cTn id="33" presetID="10" presetClass="entr" presetSubtype="0" fill="hold" nodeType="clickEffect">
                                   <p:stCondLst>
                                     <p:cond delay="0"/>
                                   </p:stCondLst>
                                   <p:childTnLst>
                                     <p:set>
                                       <p:cBhvr>
-                                        <p:cTn id="25" dur="1" fill="hold">
+                                        <p:cTn id="34" dur="1" fill="hold">
                                           <p:stCondLst>
                                             <p:cond delay="0"/>
                                           </p:stCondLst>
                                         </p:cTn>
                                         <p:tgtEl>
-                                          <p:spTgt spid="42"/>
+                                          <p:spTgt spid="46"/>
                                         </p:tgtEl>
                                         <p:attrNameLst>
                                           <p:attrName>style.visibility</p:attrName>
@@ -4108,9 +4076,9 @@
                                     </p:set>
                                     <p:animEffect transition="in" filter="fade">
                                       <p:cBhvr>
-                                        <p:cTn id="26" dur="500"/>
+                                        <p:cTn id="35" dur="500"/>
                                         <p:tgtEl>
-                                          <p:spTgt spid="42"/>
+                                          <p:spTgt spid="46"/>
                                         </p:tgtEl>
                                       </p:cBhvr>
                                     </p:animEffect>
@@ -4118,20 +4086,20 @@
                                 </p:cTn>
                               </p:par>
                               <p:par>
-                                <p:cTn id="27" presetID="10" presetClass="entr" presetSubtype="0" fill="hold" grpId="0" nodeType="withEffect">
+                                <p:cTn id="36" presetID="10" presetClass="entr" presetSubtype="0" fill="hold" grpId="0" nodeType="withEffect">
                                   <p:stCondLst>
                                     <p:cond delay="0"/>
                                   </p:stCondLst>
                                   <p:childTnLst>
                                     <p:set>
                                       <p:cBhvr>
-                                        <p:cTn id="28" dur="1" fill="hold">
+                                        <p:cTn id="37" dur="1" fill="hold">
                                           <p:stCondLst>
                                             <p:cond delay="0"/>
                                           </p:stCondLst>
                                         </p:cTn>
                                         <p:tgtEl>
-                                          <p:spTgt spid="29"/>
+                                          <p:spTgt spid="30"/>
                                         </p:tgtEl>
                                         <p:attrNameLst>
                                           <p:attrName>style.visibility</p:attrName>
@@ -4143,9 +4111,9 @@
                                     </p:set>
                                     <p:animEffect transition="in" filter="fade">
                                       <p:cBhvr>
-                                        <p:cTn id="29" dur="500"/>
+                                        <p:cTn id="38" dur="500"/>
                                         <p:tgtEl>
-                                          <p:spTgt spid="29"/>
+                                          <p:spTgt spid="30"/>
                                         </p:tgtEl>
                                       </p:cBhvr>
                                     </p:animEffect>
@@ -4159,32 +4127,32 @@
                     </p:cTn>
                   </p:par>
                   <p:par>
-                    <p:cTn id="30" fill="hold">
+                    <p:cTn id="39" fill="hold">
                       <p:stCondLst>
                         <p:cond delay="indefinite"/>
                       </p:stCondLst>
                       <p:childTnLst>
                         <p:par>
-                          <p:cTn id="31" fill="hold">
+                          <p:cTn id="40" fill="hold">
                             <p:stCondLst>
                               <p:cond delay="0"/>
                             </p:stCondLst>
                             <p:childTnLst>
                               <p:par>
-                                <p:cTn id="32" presetID="10" presetClass="entr" presetSubtype="0" fill="hold" nodeType="clickEffect">
+                                <p:cTn id="41" presetID="10" presetClass="entr" presetSubtype="0" fill="hold" grpId="0" nodeType="clickEffect">
                                   <p:stCondLst>
                                     <p:cond delay="0"/>
                                   </p:stCondLst>
                                   <p:childTnLst>
                                     <p:set>
                                       <p:cBhvr>
-                                        <p:cTn id="33" dur="1" fill="hold">
+                                        <p:cTn id="42" dur="1" fill="hold">
                                           <p:stCondLst>
                                             <p:cond delay="0"/>
                                           </p:stCondLst>
                                         </p:cTn>
                                         <p:tgtEl>
-                                          <p:spTgt spid="33"/>
+                                          <p:spTgt spid="60"/>
                                         </p:tgtEl>
                                         <p:attrNameLst>
                                           <p:attrName>style.visibility</p:attrName>
@@ -4196,9 +4164,9 @@
                                     </p:set>
                                     <p:animEffect transition="in" filter="fade">
                                       <p:cBhvr>
-                                        <p:cTn id="34" dur="500"/>
+                                        <p:cTn id="43" dur="500"/>
                                         <p:tgtEl>
-                                          <p:spTgt spid="33"/>
+                                          <p:spTgt spid="60"/>
                                         </p:tgtEl>
                                       </p:cBhvr>
                                     </p:animEffect>
@@ -4206,14 +4174,243 @@
                                 </p:cTn>
                               </p:par>
                               <p:par>
-                                <p:cTn id="35" presetID="10" presetClass="entr" presetSubtype="0" fill="hold" grpId="0" nodeType="withEffect">
+                                <p:cTn id="44" presetID="10" presetClass="entr" presetSubtype="0" fill="hold" nodeType="withEffect">
                                   <p:stCondLst>
                                     <p:cond delay="0"/>
                                   </p:stCondLst>
                                   <p:childTnLst>
                                     <p:set>
                                       <p:cBhvr>
-                                        <p:cTn id="36" dur="1" fill="hold">
+                                        <p:cTn id="45" dur="1" fill="hold">
+                                          <p:stCondLst>
+                                            <p:cond delay="0"/>
+                                          </p:stCondLst>
+                                        </p:cTn>
+                                        <p:tgtEl>
+                                          <p:spTgt spid="63"/>
+                                        </p:tgtEl>
+                                        <p:attrNameLst>
+                                          <p:attrName>style.visibility</p:attrName>
+                                        </p:attrNameLst>
+                                      </p:cBhvr>
+                                      <p:to>
+                                        <p:strVal val="visible"/>
+                                      </p:to>
+                                    </p:set>
+                                    <p:animEffect transition="in" filter="fade">
+                                      <p:cBhvr>
+                                        <p:cTn id="46" dur="500"/>
+                                        <p:tgtEl>
+                                          <p:spTgt spid="63"/>
+                                        </p:tgtEl>
+                                      </p:cBhvr>
+                                    </p:animEffect>
+                                  </p:childTnLst>
+                                </p:cTn>
+                              </p:par>
+                            </p:childTnLst>
+                          </p:cTn>
+                        </p:par>
+                      </p:childTnLst>
+                    </p:cTn>
+                  </p:par>
+                  <p:par>
+                    <p:cTn id="47" fill="hold">
+                      <p:stCondLst>
+                        <p:cond delay="indefinite"/>
+                      </p:stCondLst>
+                      <p:childTnLst>
+                        <p:par>
+                          <p:cTn id="48" fill="hold">
+                            <p:stCondLst>
+                              <p:cond delay="0"/>
+                            </p:stCondLst>
+                            <p:childTnLst>
+                              <p:par>
+                                <p:cTn id="49" presetID="10" presetClass="entr" presetSubtype="0" fill="hold" nodeType="clickEffect">
+                                  <p:stCondLst>
+                                    <p:cond delay="0"/>
+                                  </p:stCondLst>
+                                  <p:childTnLst>
+                                    <p:set>
+                                      <p:cBhvr>
+                                        <p:cTn id="50" dur="1" fill="hold">
+                                          <p:stCondLst>
+                                            <p:cond delay="0"/>
+                                          </p:stCondLst>
+                                        </p:cTn>
+                                        <p:tgtEl>
+                                          <p:spTgt spid="51"/>
+                                        </p:tgtEl>
+                                        <p:attrNameLst>
+                                          <p:attrName>style.visibility</p:attrName>
+                                        </p:attrNameLst>
+                                      </p:cBhvr>
+                                      <p:to>
+                                        <p:strVal val="visible"/>
+                                      </p:to>
+                                    </p:set>
+                                    <p:animEffect transition="in" filter="fade">
+                                      <p:cBhvr>
+                                        <p:cTn id="51" dur="500"/>
+                                        <p:tgtEl>
+                                          <p:spTgt spid="51"/>
+                                        </p:tgtEl>
+                                      </p:cBhvr>
+                                    </p:animEffect>
+                                  </p:childTnLst>
+                                </p:cTn>
+                              </p:par>
+                              <p:par>
+                                <p:cTn id="52" presetID="10" presetClass="entr" presetSubtype="0" fill="hold" grpId="0" nodeType="withEffect">
+                                  <p:stCondLst>
+                                    <p:cond delay="0"/>
+                                  </p:stCondLst>
+                                  <p:childTnLst>
+                                    <p:set>
+                                      <p:cBhvr>
+                                        <p:cTn id="53" dur="1" fill="hold">
+                                          <p:stCondLst>
+                                            <p:cond delay="0"/>
+                                          </p:stCondLst>
+                                        </p:cTn>
+                                        <p:tgtEl>
+                                          <p:spTgt spid="26"/>
+                                        </p:tgtEl>
+                                        <p:attrNameLst>
+                                          <p:attrName>style.visibility</p:attrName>
+                                        </p:attrNameLst>
+                                      </p:cBhvr>
+                                      <p:to>
+                                        <p:strVal val="visible"/>
+                                      </p:to>
+                                    </p:set>
+                                    <p:animEffect transition="in" filter="fade">
+                                      <p:cBhvr>
+                                        <p:cTn id="54" dur="500"/>
+                                        <p:tgtEl>
+                                          <p:spTgt spid="26"/>
+                                        </p:tgtEl>
+                                      </p:cBhvr>
+                                    </p:animEffect>
+                                  </p:childTnLst>
+                                </p:cTn>
+                              </p:par>
+                            </p:childTnLst>
+                          </p:cTn>
+                        </p:par>
+                      </p:childTnLst>
+                    </p:cTn>
+                  </p:par>
+                  <p:par>
+                    <p:cTn id="55" fill="hold">
+                      <p:stCondLst>
+                        <p:cond delay="indefinite"/>
+                      </p:stCondLst>
+                      <p:childTnLst>
+                        <p:par>
+                          <p:cTn id="56" fill="hold">
+                            <p:stCondLst>
+                              <p:cond delay="0"/>
+                            </p:stCondLst>
+                            <p:childTnLst>
+                              <p:par>
+                                <p:cTn id="57" presetID="10" presetClass="entr" presetSubtype="0" fill="hold" grpId="0" nodeType="clickEffect">
+                                  <p:stCondLst>
+                                    <p:cond delay="0"/>
+                                  </p:stCondLst>
+                                  <p:childTnLst>
+                                    <p:set>
+                                      <p:cBhvr>
+                                        <p:cTn id="58" dur="1" fill="hold">
+                                          <p:stCondLst>
+                                            <p:cond delay="0"/>
+                                          </p:stCondLst>
+                                        </p:cTn>
+                                        <p:tgtEl>
+                                          <p:spTgt spid="81"/>
+                                        </p:tgtEl>
+                                        <p:attrNameLst>
+                                          <p:attrName>style.visibility</p:attrName>
+                                        </p:attrNameLst>
+                                      </p:cBhvr>
+                                      <p:to>
+                                        <p:strVal val="visible"/>
+                                      </p:to>
+                                    </p:set>
+                                    <p:animEffect transition="in" filter="fade">
+                                      <p:cBhvr>
+                                        <p:cTn id="59" dur="500"/>
+                                        <p:tgtEl>
+                                          <p:spTgt spid="81"/>
+                                        </p:tgtEl>
+                                      </p:cBhvr>
+                                    </p:animEffect>
+                                  </p:childTnLst>
+                                </p:cTn>
+                              </p:par>
+                              <p:par>
+                                <p:cTn id="60" presetID="10" presetClass="entr" presetSubtype="0" fill="hold" nodeType="withEffect">
+                                  <p:stCondLst>
+                                    <p:cond delay="0"/>
+                                  </p:stCondLst>
+                                  <p:childTnLst>
+                                    <p:set>
+                                      <p:cBhvr>
+                                        <p:cTn id="61" dur="1" fill="hold">
+                                          <p:stCondLst>
+                                            <p:cond delay="0"/>
+                                          </p:stCondLst>
+                                        </p:cTn>
+                                        <p:tgtEl>
+                                          <p:spTgt spid="52"/>
+                                        </p:tgtEl>
+                                        <p:attrNameLst>
+                                          <p:attrName>style.visibility</p:attrName>
+                                        </p:attrNameLst>
+                                      </p:cBhvr>
+                                      <p:to>
+                                        <p:strVal val="visible"/>
+                                      </p:to>
+                                    </p:set>
+                                    <p:animEffect transition="in" filter="fade">
+                                      <p:cBhvr>
+                                        <p:cTn id="62" dur="500"/>
+                                        <p:tgtEl>
+                                          <p:spTgt spid="52"/>
+                                        </p:tgtEl>
+                                      </p:cBhvr>
+                                    </p:animEffect>
+                                  </p:childTnLst>
+                                </p:cTn>
+                              </p:par>
+                            </p:childTnLst>
+                          </p:cTn>
+                        </p:par>
+                      </p:childTnLst>
+                    </p:cTn>
+                  </p:par>
+                  <p:par>
+                    <p:cTn id="63" fill="hold">
+                      <p:stCondLst>
+                        <p:cond delay="indefinite"/>
+                      </p:stCondLst>
+                      <p:childTnLst>
+                        <p:par>
+                          <p:cTn id="64" fill="hold">
+                            <p:stCondLst>
+                              <p:cond delay="0"/>
+                            </p:stCondLst>
+                            <p:childTnLst>
+                              <p:par>
+                                <p:cTn id="65" presetID="10" presetClass="entr" presetSubtype="0" fill="hold" grpId="0" nodeType="clickEffect">
+                                  <p:stCondLst>
+                                    <p:cond delay="0"/>
+                                  </p:stCondLst>
+                                  <p:childTnLst>
+                                    <p:set>
+                                      <p:cBhvr>
+                                        <p:cTn id="66" dur="1" fill="hold">
                                           <p:stCondLst>
                                             <p:cond delay="0"/>
                                           </p:stCondLst>
@@ -4231,7 +4428,7 @@
                                     </p:set>
                                     <p:animEffect transition="in" filter="fade">
                                       <p:cBhvr>
-                                        <p:cTn id="37" dur="500"/>
+                                        <p:cTn id="67" dur="500"/>
                                         <p:tgtEl>
                                           <p:spTgt spid="24"/>
                                         </p:tgtEl>
@@ -4241,20 +4438,20 @@
                                 </p:cTn>
                               </p:par>
                               <p:par>
-                                <p:cTn id="38" presetID="10" presetClass="entr" presetSubtype="0" fill="hold" nodeType="withEffect">
+                                <p:cTn id="68" presetID="10" presetClass="entr" presetSubtype="0" fill="hold" nodeType="withEffect">
                                   <p:stCondLst>
                                     <p:cond delay="0"/>
                                   </p:stCondLst>
                                   <p:childTnLst>
                                     <p:set>
                                       <p:cBhvr>
-                                        <p:cTn id="39" dur="1" fill="hold">
+                                        <p:cTn id="69" dur="1" fill="hold">
                                           <p:stCondLst>
                                             <p:cond delay="0"/>
                                           </p:stCondLst>
                                         </p:cTn>
                                         <p:tgtEl>
-                                          <p:spTgt spid="51"/>
+                                          <p:spTgt spid="57"/>
                                         </p:tgtEl>
                                         <p:attrNameLst>
                                           <p:attrName>style.visibility</p:attrName>
@@ -4266,519 +4463,9 @@
                                     </p:set>
                                     <p:animEffect transition="in" filter="fade">
                                       <p:cBhvr>
-                                        <p:cTn id="40" dur="500"/>
+                                        <p:cTn id="70" dur="500"/>
                                         <p:tgtEl>
-                                          <p:spTgt spid="51"/>
-                                        </p:tgtEl>
-                                      </p:cBhvr>
-                                    </p:animEffect>
-                                  </p:childTnLst>
-                                </p:cTn>
-                              </p:par>
-                            </p:childTnLst>
-                          </p:cTn>
-                        </p:par>
-                      </p:childTnLst>
-                    </p:cTn>
-                  </p:par>
-                  <p:par>
-                    <p:cTn id="41" fill="hold">
-                      <p:stCondLst>
-                        <p:cond delay="indefinite"/>
-                      </p:stCondLst>
-                      <p:childTnLst>
-                        <p:par>
-                          <p:cTn id="42" fill="hold">
-                            <p:stCondLst>
-                              <p:cond delay="0"/>
-                            </p:stCondLst>
-                            <p:childTnLst>
-                              <p:par>
-                                <p:cTn id="43" presetID="10" presetClass="entr" presetSubtype="0" fill="hold" grpId="0" nodeType="clickEffect">
-                                  <p:stCondLst>
-                                    <p:cond delay="0"/>
-                                  </p:stCondLst>
-                                  <p:childTnLst>
-                                    <p:set>
-                                      <p:cBhvr>
-                                        <p:cTn id="44" dur="1" fill="hold">
-                                          <p:stCondLst>
-                                            <p:cond delay="0"/>
-                                          </p:stCondLst>
-                                        </p:cTn>
-                                        <p:tgtEl>
-                                          <p:spTgt spid="30"/>
-                                        </p:tgtEl>
-                                        <p:attrNameLst>
-                                          <p:attrName>style.visibility</p:attrName>
-                                        </p:attrNameLst>
-                                      </p:cBhvr>
-                                      <p:to>
-                                        <p:strVal val="visible"/>
-                                      </p:to>
-                                    </p:set>
-                                    <p:animEffect transition="in" filter="fade">
-                                      <p:cBhvr>
-                                        <p:cTn id="45" dur="500"/>
-                                        <p:tgtEl>
-                                          <p:spTgt spid="30"/>
-                                        </p:tgtEl>
-                                      </p:cBhvr>
-                                    </p:animEffect>
-                                  </p:childTnLst>
-                                </p:cTn>
-                              </p:par>
-                              <p:par>
-                                <p:cTn id="46" presetID="10" presetClass="entr" presetSubtype="0" fill="hold" nodeType="withEffect">
-                                  <p:stCondLst>
-                                    <p:cond delay="0"/>
-                                  </p:stCondLst>
-                                  <p:childTnLst>
-                                    <p:set>
-                                      <p:cBhvr>
-                                        <p:cTn id="47" dur="1" fill="hold">
-                                          <p:stCondLst>
-                                            <p:cond delay="0"/>
-                                          </p:stCondLst>
-                                        </p:cTn>
-                                        <p:tgtEl>
-                                          <p:spTgt spid="45"/>
-                                        </p:tgtEl>
-                                        <p:attrNameLst>
-                                          <p:attrName>style.visibility</p:attrName>
-                                        </p:attrNameLst>
-                                      </p:cBhvr>
-                                      <p:to>
-                                        <p:strVal val="visible"/>
-                                      </p:to>
-                                    </p:set>
-                                    <p:animEffect transition="in" filter="fade">
-                                      <p:cBhvr>
-                                        <p:cTn id="48" dur="500"/>
-                                        <p:tgtEl>
-                                          <p:spTgt spid="45"/>
-                                        </p:tgtEl>
-                                      </p:cBhvr>
-                                    </p:animEffect>
-                                  </p:childTnLst>
-                                </p:cTn>
-                              </p:par>
-                            </p:childTnLst>
-                          </p:cTn>
-                        </p:par>
-                      </p:childTnLst>
-                    </p:cTn>
-                  </p:par>
-                  <p:par>
-                    <p:cTn id="49" fill="hold">
-                      <p:stCondLst>
-                        <p:cond delay="indefinite"/>
-                      </p:stCondLst>
-                      <p:childTnLst>
-                        <p:par>
-                          <p:cTn id="50" fill="hold">
-                            <p:stCondLst>
-                              <p:cond delay="0"/>
-                            </p:stCondLst>
-                            <p:childTnLst>
-                              <p:par>
-                                <p:cTn id="51" presetID="10" presetClass="entr" presetSubtype="0" fill="hold" nodeType="clickEffect">
-                                  <p:stCondLst>
-                                    <p:cond delay="0"/>
-                                  </p:stCondLst>
-                                  <p:childTnLst>
-                                    <p:set>
-                                      <p:cBhvr>
-                                        <p:cTn id="52" dur="1" fill="hold">
-                                          <p:stCondLst>
-                                            <p:cond delay="0"/>
-                                          </p:stCondLst>
-                                        </p:cTn>
-                                        <p:tgtEl>
-                                          <p:spTgt spid="62"/>
-                                        </p:tgtEl>
-                                        <p:attrNameLst>
-                                          <p:attrName>style.visibility</p:attrName>
-                                        </p:attrNameLst>
-                                      </p:cBhvr>
-                                      <p:to>
-                                        <p:strVal val="visible"/>
-                                      </p:to>
-                                    </p:set>
-                                    <p:animEffect transition="in" filter="fade">
-                                      <p:cBhvr>
-                                        <p:cTn id="53" dur="500"/>
-                                        <p:tgtEl>
-                                          <p:spTgt spid="62"/>
-                                        </p:tgtEl>
-                                      </p:cBhvr>
-                                    </p:animEffect>
-                                  </p:childTnLst>
-                                </p:cTn>
-                              </p:par>
-                              <p:par>
-                                <p:cTn id="54" presetID="10" presetClass="entr" presetSubtype="0" fill="hold" grpId="0" nodeType="withEffect">
-                                  <p:stCondLst>
-                                    <p:cond delay="0"/>
-                                  </p:stCondLst>
-                                  <p:childTnLst>
-                                    <p:set>
-                                      <p:cBhvr>
-                                        <p:cTn id="55" dur="1" fill="hold">
-                                          <p:stCondLst>
-                                            <p:cond delay="0"/>
-                                          </p:stCondLst>
-                                        </p:cTn>
-                                        <p:tgtEl>
-                                          <p:spTgt spid="25"/>
-                                        </p:tgtEl>
-                                        <p:attrNameLst>
-                                          <p:attrName>style.visibility</p:attrName>
-                                        </p:attrNameLst>
-                                      </p:cBhvr>
-                                      <p:to>
-                                        <p:strVal val="visible"/>
-                                      </p:to>
-                                    </p:set>
-                                    <p:animEffect transition="in" filter="fade">
-                                      <p:cBhvr>
-                                        <p:cTn id="56" dur="500"/>
-                                        <p:tgtEl>
-                                          <p:spTgt spid="25"/>
-                                        </p:tgtEl>
-                                      </p:cBhvr>
-                                    </p:animEffect>
-                                  </p:childTnLst>
-                                </p:cTn>
-                              </p:par>
-                            </p:childTnLst>
-                          </p:cTn>
-                        </p:par>
-                      </p:childTnLst>
-                    </p:cTn>
-                  </p:par>
-                  <p:par>
-                    <p:cTn id="57" fill="hold">
-                      <p:stCondLst>
-                        <p:cond delay="indefinite"/>
-                      </p:stCondLst>
-                      <p:childTnLst>
-                        <p:par>
-                          <p:cTn id="58" fill="hold">
-                            <p:stCondLst>
-                              <p:cond delay="0"/>
-                            </p:stCondLst>
-                            <p:childTnLst>
-                              <p:par>
-                                <p:cTn id="59" presetID="10" presetClass="entr" presetSubtype="0" fill="hold" nodeType="clickEffect">
-                                  <p:stCondLst>
-                                    <p:cond delay="0"/>
-                                  </p:stCondLst>
-                                  <p:childTnLst>
-                                    <p:set>
-                                      <p:cBhvr>
-                                        <p:cTn id="60" dur="1" fill="hold">
-                                          <p:stCondLst>
-                                            <p:cond delay="0"/>
-                                          </p:stCondLst>
-                                        </p:cTn>
-                                        <p:tgtEl>
-                                          <p:spTgt spid="54"/>
-                                        </p:tgtEl>
-                                        <p:attrNameLst>
-                                          <p:attrName>style.visibility</p:attrName>
-                                        </p:attrNameLst>
-                                      </p:cBhvr>
-                                      <p:to>
-                                        <p:strVal val="visible"/>
-                                      </p:to>
-                                    </p:set>
-                                    <p:animEffect transition="in" filter="fade">
-                                      <p:cBhvr>
-                                        <p:cTn id="61" dur="500"/>
-                                        <p:tgtEl>
-                                          <p:spTgt spid="54"/>
-                                        </p:tgtEl>
-                                      </p:cBhvr>
-                                    </p:animEffect>
-                                  </p:childTnLst>
-                                </p:cTn>
-                              </p:par>
-                              <p:par>
-                                <p:cTn id="62" presetID="10" presetClass="entr" presetSubtype="0" fill="hold" nodeType="withEffect">
-                                  <p:stCondLst>
-                                    <p:cond delay="0"/>
-                                  </p:stCondLst>
-                                  <p:childTnLst>
-                                    <p:set>
-                                      <p:cBhvr>
-                                        <p:cTn id="63" dur="1" fill="hold">
-                                          <p:stCondLst>
-                                            <p:cond delay="0"/>
-                                          </p:stCondLst>
-                                        </p:cTn>
-                                        <p:tgtEl>
-                                          <p:spTgt spid="38"/>
-                                        </p:tgtEl>
-                                        <p:attrNameLst>
-                                          <p:attrName>style.visibility</p:attrName>
-                                        </p:attrNameLst>
-                                      </p:cBhvr>
-                                      <p:to>
-                                        <p:strVal val="visible"/>
-                                      </p:to>
-                                    </p:set>
-                                    <p:animEffect transition="in" filter="fade">
-                                      <p:cBhvr>
-                                        <p:cTn id="64" dur="500"/>
-                                        <p:tgtEl>
-                                          <p:spTgt spid="38"/>
-                                        </p:tgtEl>
-                                      </p:cBhvr>
-                                    </p:animEffect>
-                                  </p:childTnLst>
-                                </p:cTn>
-                              </p:par>
-                              <p:par>
-                                <p:cTn id="65" presetID="10" presetClass="entr" presetSubtype="0" fill="hold" grpId="0" nodeType="withEffect">
-                                  <p:stCondLst>
-                                    <p:cond delay="0"/>
-                                  </p:stCondLst>
-                                  <p:childTnLst>
-                                    <p:set>
-                                      <p:cBhvr>
-                                        <p:cTn id="66" dur="1" fill="hold">
-                                          <p:stCondLst>
-                                            <p:cond delay="0"/>
-                                          </p:stCondLst>
-                                        </p:cTn>
-                                        <p:tgtEl>
-                                          <p:spTgt spid="26"/>
-                                        </p:tgtEl>
-                                        <p:attrNameLst>
-                                          <p:attrName>style.visibility</p:attrName>
-                                        </p:attrNameLst>
-                                      </p:cBhvr>
-                                      <p:to>
-                                        <p:strVal val="visible"/>
-                                      </p:to>
-                                    </p:set>
-                                    <p:animEffect transition="in" filter="fade">
-                                      <p:cBhvr>
-                                        <p:cTn id="67" dur="500"/>
-                                        <p:tgtEl>
-                                          <p:spTgt spid="26"/>
-                                        </p:tgtEl>
-                                      </p:cBhvr>
-                                    </p:animEffect>
-                                  </p:childTnLst>
-                                </p:cTn>
-                              </p:par>
-                            </p:childTnLst>
-                          </p:cTn>
-                        </p:par>
-                      </p:childTnLst>
-                    </p:cTn>
-                  </p:par>
-                  <p:par>
-                    <p:cTn id="68" fill="hold">
-                      <p:stCondLst>
-                        <p:cond delay="indefinite"/>
-                      </p:stCondLst>
-                      <p:childTnLst>
-                        <p:par>
-                          <p:cTn id="69" fill="hold">
-                            <p:stCondLst>
-                              <p:cond delay="0"/>
-                            </p:stCondLst>
-                            <p:childTnLst>
-                              <p:par>
-                                <p:cTn id="70" presetID="10" presetClass="entr" presetSubtype="0" fill="hold" grpId="0" nodeType="clickEffect">
-                                  <p:stCondLst>
-                                    <p:cond delay="0"/>
-                                  </p:stCondLst>
-                                  <p:childTnLst>
-                                    <p:set>
-                                      <p:cBhvr>
-                                        <p:cTn id="71" dur="1" fill="hold">
-                                          <p:stCondLst>
-                                            <p:cond delay="0"/>
-                                          </p:stCondLst>
-                                        </p:cTn>
-                                        <p:tgtEl>
-                                          <p:spTgt spid="28"/>
-                                        </p:tgtEl>
-                                        <p:attrNameLst>
-                                          <p:attrName>style.visibility</p:attrName>
-                                        </p:attrNameLst>
-                                      </p:cBhvr>
-                                      <p:to>
-                                        <p:strVal val="visible"/>
-                                      </p:to>
-                                    </p:set>
-                                    <p:animEffect transition="in" filter="fade">
-                                      <p:cBhvr>
-                                        <p:cTn id="72" dur="500"/>
-                                        <p:tgtEl>
-                                          <p:spTgt spid="28"/>
-                                        </p:tgtEl>
-                                      </p:cBhvr>
-                                    </p:animEffect>
-                                  </p:childTnLst>
-                                </p:cTn>
-                              </p:par>
-                              <p:par>
-                                <p:cTn id="73" presetID="10" presetClass="entr" presetSubtype="0" fill="hold" nodeType="withEffect">
-                                  <p:stCondLst>
-                                    <p:cond delay="0"/>
-                                  </p:stCondLst>
-                                  <p:childTnLst>
-                                    <p:set>
-                                      <p:cBhvr>
-                                        <p:cTn id="74" dur="1" fill="hold">
-                                          <p:stCondLst>
-                                            <p:cond delay="0"/>
-                                          </p:stCondLst>
-                                        </p:cTn>
-                                        <p:tgtEl>
-                                          <p:spTgt spid="58"/>
-                                        </p:tgtEl>
-                                        <p:attrNameLst>
-                                          <p:attrName>style.visibility</p:attrName>
-                                        </p:attrNameLst>
-                                      </p:cBhvr>
-                                      <p:to>
-                                        <p:strVal val="visible"/>
-                                      </p:to>
-                                    </p:set>
-                                    <p:animEffect transition="in" filter="fade">
-                                      <p:cBhvr>
-                                        <p:cTn id="75" dur="500"/>
-                                        <p:tgtEl>
-                                          <p:spTgt spid="58"/>
-                                        </p:tgtEl>
-                                      </p:cBhvr>
-                                    </p:animEffect>
-                                  </p:childTnLst>
-                                </p:cTn>
-                              </p:par>
-                              <p:par>
-                                <p:cTn id="76" presetID="10" presetClass="entr" presetSubtype="0" fill="hold" nodeType="withEffect">
-                                  <p:stCondLst>
-                                    <p:cond delay="0"/>
-                                  </p:stCondLst>
-                                  <p:childTnLst>
-                                    <p:set>
-                                      <p:cBhvr>
-                                        <p:cTn id="77" dur="1" fill="hold">
-                                          <p:stCondLst>
-                                            <p:cond delay="0"/>
-                                          </p:stCondLst>
-                                        </p:cTn>
-                                        <p:tgtEl>
-                                          <p:spTgt spid="76"/>
-                                        </p:tgtEl>
-                                        <p:attrNameLst>
-                                          <p:attrName>style.visibility</p:attrName>
-                                        </p:attrNameLst>
-                                      </p:cBhvr>
-                                      <p:to>
-                                        <p:strVal val="visible"/>
-                                      </p:to>
-                                    </p:set>
-                                    <p:animEffect transition="in" filter="fade">
-                                      <p:cBhvr>
-                                        <p:cTn id="78" dur="500"/>
-                                        <p:tgtEl>
-                                          <p:spTgt spid="76"/>
-                                        </p:tgtEl>
-                                      </p:cBhvr>
-                                    </p:animEffect>
-                                  </p:childTnLst>
-                                </p:cTn>
-                              </p:par>
-                            </p:childTnLst>
-                          </p:cTn>
-                        </p:par>
-                      </p:childTnLst>
-                    </p:cTn>
-                  </p:par>
-                  <p:par>
-                    <p:cTn id="79" fill="hold">
-                      <p:stCondLst>
-                        <p:cond delay="indefinite"/>
-                      </p:stCondLst>
-                      <p:childTnLst>
-                        <p:par>
-                          <p:cTn id="80" fill="hold">
-                            <p:stCondLst>
-                              <p:cond delay="0"/>
-                            </p:stCondLst>
-                            <p:childTnLst>
-                              <p:par>
-                                <p:cTn id="81" presetID="10" presetClass="entr" presetSubtype="0" fill="hold" grpId="0" nodeType="clickEffect">
-                                  <p:stCondLst>
-                                    <p:cond delay="0"/>
-                                  </p:stCondLst>
-                                  <p:childTnLst>
-                                    <p:set>
-                                      <p:cBhvr>
-                                        <p:cTn id="82" dur="1" fill="hold">
-                                          <p:stCondLst>
-                                            <p:cond delay="0"/>
-                                          </p:stCondLst>
-                                        </p:cTn>
-                                        <p:tgtEl>
-                                          <p:spTgt spid="81"/>
-                                        </p:tgtEl>
-                                        <p:attrNameLst>
-                                          <p:attrName>style.visibility</p:attrName>
-                                        </p:attrNameLst>
-                                      </p:cBhvr>
-                                      <p:to>
-                                        <p:strVal val="visible"/>
-                                      </p:to>
-                                    </p:set>
-                                    <p:animEffect transition="in" filter="fade">
-                                      <p:cBhvr>
-                                        <p:cTn id="83" dur="500"/>
-                                        <p:tgtEl>
-                                          <p:spTgt spid="81"/>
-                                        </p:tgtEl>
-                                      </p:cBhvr>
-                                    </p:animEffect>
-                                  </p:childTnLst>
-                                </p:cTn>
-                              </p:par>
-                              <p:par>
-                                <p:cTn id="84" presetID="10" presetClass="entr" presetSubtype="0" fill="hold" nodeType="withEffect">
-                                  <p:stCondLst>
-                                    <p:cond delay="0"/>
-                                  </p:stCondLst>
-                                  <p:childTnLst>
-                                    <p:set>
-                                      <p:cBhvr>
-                                        <p:cTn id="85" dur="1" fill="hold">
-                                          <p:stCondLst>
-                                            <p:cond delay="0"/>
-                                          </p:stCondLst>
-                                        </p:cTn>
-                                        <p:tgtEl>
-                                          <p:spTgt spid="82"/>
-                                        </p:tgtEl>
-                                        <p:attrNameLst>
-                                          <p:attrName>style.visibility</p:attrName>
-                                        </p:attrNameLst>
-                                      </p:cBhvr>
-                                      <p:to>
-                                        <p:strVal val="visible"/>
-                                      </p:to>
-                                    </p:set>
-                                    <p:animEffect transition="in" filter="fade">
-                                      <p:cBhvr>
-                                        <p:cTn id="86" dur="500"/>
-                                        <p:tgtEl>
-                                          <p:spTgt spid="82"/>
+                                          <p:spTgt spid="57"/>
                                         </p:tgtEl>
                                       </p:cBhvr>
                                     </p:animEffect>
@@ -4814,15 +4501,15 @@
     </p:tnLst>
     <p:bldLst>
       <p:bldP spid="4" grpId="0" animBg="1"/>
-      <p:bldP spid="23" grpId="0" animBg="1"/>
       <p:bldP spid="24" grpId="0" animBg="1"/>
       <p:bldP spid="25" grpId="0" animBg="1"/>
-      <p:bldP spid="26" grpId="0" animBg="1"/>
-      <p:bldP spid="28" grpId="0" animBg="1"/>
+      <p:bldP spid="81" grpId="0" animBg="1"/>
+      <p:bldP spid="35" grpId="0" animBg="1"/>
+      <p:bldP spid="39" grpId="0" animBg="1"/>
       <p:bldP spid="29" grpId="0" animBg="1"/>
       <p:bldP spid="30" grpId="0" animBg="1"/>
-      <p:bldP spid="31" grpId="0" animBg="1"/>
-      <p:bldP spid="81" grpId="0" animBg="1"/>
+      <p:bldP spid="26" grpId="0" animBg="1"/>
+      <p:bldP spid="60" grpId="0" animBg="1"/>
     </p:bldLst>
   </p:timing>
 </p:sld>
